--- a/BlogDown&Forcats.pptx
+++ b/BlogDown&Forcats.pptx
@@ -10,12 +10,14 @@
     <p:sldId id="258" r:id="rId7"/>
     <p:sldId id="259" r:id="rId8"/>
     <p:sldId id="260" r:id="rId9"/>
-    <p:sldId id="267" r:id="rId10"/>
-    <p:sldId id="261" r:id="rId11"/>
-    <p:sldId id="263" r:id="rId12"/>
+    <p:sldId id="272" r:id="rId10"/>
+    <p:sldId id="267" r:id="rId11"/>
+    <p:sldId id="261" r:id="rId12"/>
     <p:sldId id="270" r:id="rId13"/>
-    <p:sldId id="271" r:id="rId14"/>
-    <p:sldId id="266" r:id="rId15"/>
+    <p:sldId id="263" r:id="rId14"/>
+    <p:sldId id="271" r:id="rId15"/>
+    <p:sldId id="266" r:id="rId16"/>
+    <p:sldId id="273" r:id="rId17"/>
   </p:sldIdLst>
   <p:sldSz cx="12192000" cy="6858000"/>
   <p:notesSz cx="6858000" cy="9144000"/>
@@ -4415,7 +4417,7 @@
           <a:p>
             <a:fld id="{48A87A34-81AB-432B-8DAE-1953F412C126}" type="datetimeFigureOut">
               <a:rPr lang="en-US" dirty="0"/>
-              <a:t>10/29/19</a:t>
+              <a:t>11/1/2019</a:t>
             </a:fld>
             <a:endParaRPr lang="en-US"/>
           </a:p>
@@ -4677,7 +4679,7 @@
           <a:p>
             <a:fld id="{48A87A34-81AB-432B-8DAE-1953F412C126}" type="datetimeFigureOut">
               <a:rPr lang="en-US" dirty="0"/>
-              <a:t>10/29/19</a:t>
+              <a:t>11/1/2019</a:t>
             </a:fld>
             <a:endParaRPr lang="en-US"/>
           </a:p>
@@ -4868,7 +4870,7 @@
           <a:p>
             <a:fld id="{48A87A34-81AB-432B-8DAE-1953F412C126}" type="datetimeFigureOut">
               <a:rPr lang="en-US" dirty="0"/>
-              <a:t>10/29/19</a:t>
+              <a:t>11/1/2019</a:t>
             </a:fld>
             <a:endParaRPr lang="en-US"/>
           </a:p>
@@ -5126,7 +5128,7 @@
           <a:p>
             <a:fld id="{48A87A34-81AB-432B-8DAE-1953F412C126}" type="datetimeFigureOut">
               <a:rPr lang="en-US" dirty="0"/>
-              <a:t>10/29/19</a:t>
+              <a:t>11/1/2019</a:t>
             </a:fld>
             <a:endParaRPr lang="en-US"/>
           </a:p>
@@ -5555,7 +5557,7 @@
           <a:p>
             <a:fld id="{48A87A34-81AB-432B-8DAE-1953F412C126}" type="datetimeFigureOut">
               <a:rPr lang="en-US" dirty="0"/>
-              <a:t>10/29/19</a:t>
+              <a:t>11/1/2019</a:t>
             </a:fld>
             <a:endParaRPr lang="en-US"/>
           </a:p>
@@ -6096,7 +6098,7 @@
           <a:p>
             <a:fld id="{48A87A34-81AB-432B-8DAE-1953F412C126}" type="datetimeFigureOut">
               <a:rPr lang="en-US" dirty="0"/>
-              <a:t>10/29/19</a:t>
+              <a:t>11/1/2019</a:t>
             </a:fld>
             <a:endParaRPr lang="en-US"/>
           </a:p>
@@ -6811,7 +6813,7 @@
           <a:p>
             <a:fld id="{48A87A34-81AB-432B-8DAE-1953F412C126}" type="datetimeFigureOut">
               <a:rPr lang="en-US" dirty="0"/>
-              <a:t>10/29/19</a:t>
+              <a:t>11/1/2019</a:t>
             </a:fld>
             <a:endParaRPr lang="en-US"/>
           </a:p>
@@ -6976,7 +6978,7 @@
           <a:p>
             <a:fld id="{48A87A34-81AB-432B-8DAE-1953F412C126}" type="datetimeFigureOut">
               <a:rPr lang="en-US" dirty="0"/>
-              <a:t>10/29/19</a:t>
+              <a:t>11/1/2019</a:t>
             </a:fld>
             <a:endParaRPr lang="en-US"/>
           </a:p>
@@ -7151,7 +7153,7 @@
           <a:p>
             <a:fld id="{48A87A34-81AB-432B-8DAE-1953F412C126}" type="datetimeFigureOut">
               <a:rPr lang="en-US" dirty="0"/>
-              <a:t>10/29/19</a:t>
+              <a:t>11/1/2019</a:t>
             </a:fld>
             <a:endParaRPr lang="en-US"/>
           </a:p>
@@ -7316,7 +7318,7 @@
           <a:p>
             <a:fld id="{48A87A34-81AB-432B-8DAE-1953F412C126}" type="datetimeFigureOut">
               <a:rPr lang="en-US" dirty="0"/>
-              <a:t>10/29/19</a:t>
+              <a:t>11/1/2019</a:t>
             </a:fld>
             <a:endParaRPr lang="en-US"/>
           </a:p>
@@ -7561,7 +7563,7 @@
           <a:p>
             <a:fld id="{48A87A34-81AB-432B-8DAE-1953F412C126}" type="datetimeFigureOut">
               <a:rPr lang="en-US" dirty="0"/>
-              <a:t>10/29/19</a:t>
+              <a:t>11/1/2019</a:t>
             </a:fld>
             <a:endParaRPr lang="en-US"/>
           </a:p>
@@ -7788,7 +7790,7 @@
           <a:p>
             <a:fld id="{48A87A34-81AB-432B-8DAE-1953F412C126}" type="datetimeFigureOut">
               <a:rPr lang="en-US" dirty="0"/>
-              <a:t>10/29/19</a:t>
+              <a:t>11/1/2019</a:t>
             </a:fld>
             <a:endParaRPr lang="en-US"/>
           </a:p>
@@ -8164,7 +8166,7 @@
           <a:p>
             <a:fld id="{48A87A34-81AB-432B-8DAE-1953F412C126}" type="datetimeFigureOut">
               <a:rPr lang="en-US" dirty="0"/>
-              <a:t>10/29/19</a:t>
+              <a:t>11/1/2019</a:t>
             </a:fld>
             <a:endParaRPr lang="en-US"/>
           </a:p>
@@ -8277,7 +8279,7 @@
           <a:p>
             <a:fld id="{48A87A34-81AB-432B-8DAE-1953F412C126}" type="datetimeFigureOut">
               <a:rPr lang="en-US" dirty="0"/>
-              <a:t>10/29/19</a:t>
+              <a:t>11/1/2019</a:t>
             </a:fld>
             <a:endParaRPr lang="en-US"/>
           </a:p>
@@ -8367,7 +8369,7 @@
           <a:p>
             <a:fld id="{48A87A34-81AB-432B-8DAE-1953F412C126}" type="datetimeFigureOut">
               <a:rPr lang="en-US" dirty="0"/>
-              <a:t>10/29/19</a:t>
+              <a:t>11/1/2019</a:t>
             </a:fld>
             <a:endParaRPr lang="en-US"/>
           </a:p>
@@ -8611,7 +8613,7 @@
           <a:p>
             <a:fld id="{48A87A34-81AB-432B-8DAE-1953F412C126}" type="datetimeFigureOut">
               <a:rPr lang="en-US" dirty="0"/>
-              <a:t>10/29/19</a:t>
+              <a:t>11/1/2019</a:t>
             </a:fld>
             <a:endParaRPr lang="en-US"/>
           </a:p>
@@ -8886,7 +8888,7 @@
           <a:p>
             <a:fld id="{48A87A34-81AB-432B-8DAE-1953F412C126}" type="datetimeFigureOut">
               <a:rPr lang="en-US" dirty="0"/>
-              <a:t>10/29/19</a:t>
+              <a:t>11/1/2019</a:t>
             </a:fld>
             <a:endParaRPr lang="en-US"/>
           </a:p>
@@ -11966,7 +11968,7 @@
             <a:fld id="{48A87A34-81AB-432B-8DAE-1953F412C126}" type="datetimeFigureOut">
               <a:rPr lang="en-US" dirty="0"/>
               <a:pPr/>
-              <a:t>10/29/19</a:t>
+              <a:t>11/1/2019</a:t>
             </a:fld>
             <a:endParaRPr lang="en-US"/>
           </a:p>
@@ -12797,6 +12799,320 @@
             <p:ph type="title"/>
           </p:nvPr>
         </p:nvSpPr>
+        <p:spPr>
+          <a:xfrm>
+            <a:off x="1141413" y="614360"/>
+            <a:ext cx="9905998" cy="1478570"/>
+          </a:xfrm>
+        </p:spPr>
+        <p:txBody>
+          <a:bodyPr/>
+          <a:lstStyle/>
+          <a:p>
+            <a:pPr algn="ctr"/>
+            <a:r>
+              <a:rPr lang="de-DE" b="1" dirty="0">
+                <a:solidFill>
+                  <a:schemeClr val="bg1"/>
+                </a:solidFill>
+              </a:rPr>
+              <a:t>Data Source </a:t>
+            </a:r>
+          </a:p>
+        </p:txBody>
+      </p:sp>
+      <p:sp>
+        <p:nvSpPr>
+          <p:cNvPr id="3" name="Inhaltsplatzhalter 2">
+            <a:extLst>
+              <a:ext uri="{FF2B5EF4-FFF2-40B4-BE49-F238E27FC236}">
+                <a16:creationId xmlns:a16="http://schemas.microsoft.com/office/drawing/2014/main" id="{4B206C89-51E7-4766-85D7-F79D9CAF5A7D}"/>
+              </a:ext>
+            </a:extLst>
+          </p:cNvPr>
+          <p:cNvSpPr>
+            <a:spLocks noGrp="1"/>
+          </p:cNvSpPr>
+          <p:nvPr>
+            <p:ph idx="1"/>
+          </p:nvPr>
+        </p:nvSpPr>
+        <p:spPr>
+          <a:xfrm>
+            <a:off x="1141412" y="2249486"/>
+            <a:ext cx="9905999" cy="4269847"/>
+          </a:xfrm>
+        </p:spPr>
+        <p:txBody>
+          <a:bodyPr>
+            <a:normAutofit/>
+          </a:bodyPr>
+          <a:lstStyle/>
+          <a:p>
+            <a:r>
+              <a:rPr lang="en-AU" sz="2800" dirty="0">
+                <a:solidFill>
+                  <a:schemeClr val="bg1"/>
+                </a:solidFill>
+              </a:rPr>
+              <a:t>A free API for weather forecasting</a:t>
+            </a:r>
+          </a:p>
+          <a:p>
+            <a:pPr lvl="1">
+              <a:buFont typeface="Wingdings" pitchFamily="2" charset="2"/>
+              <a:buChar char="Ø"/>
+            </a:pPr>
+            <a:r>
+              <a:rPr lang="en-AU" sz="2400" dirty="0">
+                <a:solidFill>
+                  <a:schemeClr val="bg1"/>
+                </a:solidFill>
+              </a:rPr>
+              <a:t> Current and historical weather data</a:t>
+            </a:r>
+          </a:p>
+          <a:p>
+            <a:pPr marL="457200" lvl="1" indent="0">
+              <a:buNone/>
+            </a:pPr>
+            <a:endParaRPr lang="en-AU" sz="2800" dirty="0">
+              <a:solidFill>
+                <a:schemeClr val="bg1"/>
+              </a:solidFill>
+            </a:endParaRPr>
+          </a:p>
+          <a:p>
+            <a:r>
+              <a:rPr lang="en-AU" sz="2800" dirty="0">
+                <a:solidFill>
+                  <a:schemeClr val="bg1"/>
+                </a:solidFill>
+              </a:rPr>
+              <a:t> API-key is needed to use the data</a:t>
+            </a:r>
+          </a:p>
+          <a:p>
+            <a:endParaRPr lang="en-AU" sz="2800" dirty="0">
+              <a:solidFill>
+                <a:schemeClr val="bg1"/>
+              </a:solidFill>
+            </a:endParaRPr>
+          </a:p>
+          <a:p>
+            <a:r>
+              <a:rPr lang="en-AU" sz="2800" dirty="0">
+                <a:solidFill>
+                  <a:schemeClr val="bg1"/>
+                </a:solidFill>
+              </a:rPr>
+              <a:t>Wrapper package for r that makes the functions available</a:t>
+            </a:r>
+          </a:p>
+          <a:p>
+            <a:pPr lvl="1">
+              <a:buFont typeface="Wingdings" pitchFamily="2" charset="2"/>
+              <a:buChar char="Ø"/>
+            </a:pPr>
+            <a:r>
+              <a:rPr lang="en-AU" sz="2400" dirty="0">
+                <a:solidFill>
+                  <a:schemeClr val="bg1"/>
+                </a:solidFill>
+              </a:rPr>
+              <a:t> </a:t>
+            </a:r>
+            <a:r>
+              <a:rPr lang="en-AU" sz="2400" dirty="0" err="1">
+                <a:solidFill>
+                  <a:schemeClr val="bg1"/>
+                </a:solidFill>
+              </a:rPr>
+              <a:t>owmr</a:t>
+            </a:r>
+            <a:endParaRPr lang="en-AU" sz="2400" dirty="0">
+              <a:solidFill>
+                <a:schemeClr val="bg1"/>
+              </a:solidFill>
+            </a:endParaRPr>
+          </a:p>
+          <a:p>
+            <a:endParaRPr lang="en-AU" sz="2800" dirty="0">
+              <a:solidFill>
+                <a:schemeClr val="bg1"/>
+              </a:solidFill>
+            </a:endParaRPr>
+          </a:p>
+          <a:p>
+            <a:endParaRPr lang="en-AU" sz="2800" dirty="0">
+              <a:solidFill>
+                <a:schemeClr val="bg1"/>
+              </a:solidFill>
+            </a:endParaRPr>
+          </a:p>
+        </p:txBody>
+      </p:sp>
+      <p:pic>
+        <p:nvPicPr>
+          <p:cNvPr id="8" name="Grafik 7">
+            <a:extLst>
+              <a:ext uri="{FF2B5EF4-FFF2-40B4-BE49-F238E27FC236}">
+                <a16:creationId xmlns:a16="http://schemas.microsoft.com/office/drawing/2014/main" id="{B78A0333-B311-7646-8F1E-B7016420CFAB}"/>
+              </a:ext>
+            </a:extLst>
+          </p:cNvPr>
+          <p:cNvPicPr>
+            <a:picLocks noChangeAspect="1"/>
+          </p:cNvPicPr>
+          <p:nvPr/>
+        </p:nvPicPr>
+        <p:blipFill>
+          <a:blip r:embed="rId2"/>
+          <a:stretch>
+            <a:fillRect/>
+          </a:stretch>
+        </p:blipFill>
+        <p:spPr>
+          <a:xfrm>
+            <a:off x="1141412" y="618518"/>
+            <a:ext cx="2730500" cy="1168400"/>
+          </a:xfrm>
+          <a:prstGeom prst="rect">
+            <a:avLst/>
+          </a:prstGeom>
+        </p:spPr>
+      </p:pic>
+      <p:pic>
+        <p:nvPicPr>
+          <p:cNvPr id="10" name="Picture 2" descr="Bildergebnis für blogdown">
+            <a:extLst>
+              <a:ext uri="{FF2B5EF4-FFF2-40B4-BE49-F238E27FC236}">
+                <a16:creationId xmlns:a16="http://schemas.microsoft.com/office/drawing/2014/main" id="{A0BAD345-1E1D-7E45-A1F7-219D03627D7D}"/>
+              </a:ext>
+            </a:extLst>
+          </p:cNvPr>
+          <p:cNvPicPr>
+            <a:picLocks noChangeAspect="1" noChangeArrowheads="1"/>
+          </p:cNvPicPr>
+          <p:nvPr/>
+        </p:nvPicPr>
+        <p:blipFill>
+          <a:blip r:embed="rId3">
+            <a:extLst>
+              <a:ext uri="{28A0092B-C50C-407E-A947-70E740481C1C}">
+                <a14:useLocalDpi xmlns:a14="http://schemas.microsoft.com/office/drawing/2010/main" val="0"/>
+              </a:ext>
+            </a:extLst>
+          </a:blip>
+          <a:srcRect/>
+          <a:stretch>
+            <a:fillRect/>
+          </a:stretch>
+        </p:blipFill>
+        <p:spPr bwMode="auto">
+          <a:xfrm>
+            <a:off x="9827636" y="457803"/>
+            <a:ext cx="1558442" cy="1800000"/>
+          </a:xfrm>
+          <a:prstGeom prst="rect">
+            <a:avLst/>
+          </a:prstGeom>
+          <a:noFill/>
+          <a:extLst>
+            <a:ext uri="{909E8E84-426E-40DD-AFC4-6F175D3DCCD1}">
+              <a14:hiddenFill xmlns:a14="http://schemas.microsoft.com/office/drawing/2010/main">
+                <a:solidFill>
+                  <a:srgbClr val="FFFFFF"/>
+                </a:solidFill>
+              </a14:hiddenFill>
+            </a:ext>
+          </a:extLst>
+        </p:spPr>
+      </p:pic>
+      <p:pic>
+        <p:nvPicPr>
+          <p:cNvPr id="11" name="Grafik 10">
+            <a:extLst>
+              <a:ext uri="{FF2B5EF4-FFF2-40B4-BE49-F238E27FC236}">
+                <a16:creationId xmlns:a16="http://schemas.microsoft.com/office/drawing/2014/main" id="{AFE6846A-B99D-EE41-92E3-946C3E4F290D}"/>
+              </a:ext>
+            </a:extLst>
+          </p:cNvPr>
+          <p:cNvPicPr>
+            <a:picLocks noChangeAspect="1"/>
+          </p:cNvPicPr>
+          <p:nvPr/>
+        </p:nvPicPr>
+        <p:blipFill>
+          <a:blip r:embed="rId4"/>
+          <a:stretch>
+            <a:fillRect/>
+          </a:stretch>
+        </p:blipFill>
+        <p:spPr>
+          <a:xfrm>
+            <a:off x="9827636" y="457803"/>
+            <a:ext cx="1549698" cy="1800000"/>
+          </a:xfrm>
+          <a:prstGeom prst="rect">
+            <a:avLst/>
+          </a:prstGeom>
+        </p:spPr>
+      </p:pic>
+    </p:spTree>
+    <p:extLst>
+      <p:ext uri="{BB962C8B-B14F-4D97-AF65-F5344CB8AC3E}">
+        <p14:creationId xmlns:p14="http://schemas.microsoft.com/office/powerpoint/2010/main" val="3287622872"/>
+      </p:ext>
+    </p:extLst>
+  </p:cSld>
+  <p:clrMapOvr>
+    <a:masterClrMapping/>
+  </p:clrMapOvr>
+</p:sld>
+</file>
+
+<file path=ppt/slides/slide11.xml><?xml version="1.0" encoding="utf-8"?>
+<p:sld xmlns:a="http://schemas.openxmlformats.org/drawingml/2006/main" xmlns:r="http://schemas.openxmlformats.org/officeDocument/2006/relationships" xmlns:p="http://schemas.openxmlformats.org/presentationml/2006/main">
+  <p:cSld>
+    <p:bg>
+      <p:bgPr>
+        <a:solidFill>
+          <a:schemeClr val="tx1"/>
+        </a:solidFill>
+        <a:effectLst/>
+      </p:bgPr>
+    </p:bg>
+    <p:spTree>
+      <p:nvGrpSpPr>
+        <p:cNvPr id="1" name=""/>
+        <p:cNvGrpSpPr/>
+        <p:nvPr/>
+      </p:nvGrpSpPr>
+      <p:grpSpPr>
+        <a:xfrm>
+          <a:off x="0" y="0"/>
+          <a:ext cx="0" cy="0"/>
+          <a:chOff x="0" y="0"/>
+          <a:chExt cx="0" cy="0"/>
+        </a:xfrm>
+      </p:grpSpPr>
+      <p:sp>
+        <p:nvSpPr>
+          <p:cNvPr id="2" name="Titel 1">
+            <a:extLst>
+              <a:ext uri="{FF2B5EF4-FFF2-40B4-BE49-F238E27FC236}">
+                <a16:creationId xmlns:a16="http://schemas.microsoft.com/office/drawing/2014/main" id="{E5D95487-973D-4967-83D0-DAD58A46DE2C}"/>
+              </a:ext>
+            </a:extLst>
+          </p:cNvPr>
+          <p:cNvSpPr>
+            <a:spLocks noGrp="1"/>
+          </p:cNvSpPr>
+          <p:nvPr>
+            <p:ph type="title"/>
+          </p:nvPr>
+        </p:nvSpPr>
         <p:spPr/>
         <p:txBody>
           <a:bodyPr/>
@@ -12886,6 +13202,156 @@
           </a:prstGeom>
         </p:spPr>
       </p:pic>
+      <p:sp>
+        <p:nvSpPr>
+          <p:cNvPr id="3" name="Textfeld 2">
+            <a:extLst>
+              <a:ext uri="{FF2B5EF4-FFF2-40B4-BE49-F238E27FC236}">
+                <a16:creationId xmlns:a16="http://schemas.microsoft.com/office/drawing/2014/main" id="{660C45F0-BEA1-7241-AF00-44095FB4A0A2}"/>
+              </a:ext>
+            </a:extLst>
+          </p:cNvPr>
+          <p:cNvSpPr txBox="1"/>
+          <p:nvPr/>
+        </p:nvSpPr>
+        <p:spPr>
+          <a:xfrm>
+            <a:off x="4129413" y="5149672"/>
+            <a:ext cx="3933173" cy="1384995"/>
+          </a:xfrm>
+          <a:prstGeom prst="rect">
+            <a:avLst/>
+          </a:prstGeom>
+          <a:noFill/>
+        </p:spPr>
+        <p:txBody>
+          <a:bodyPr wrap="square" rtlCol="0">
+            <a:spAutoFit/>
+          </a:bodyPr>
+          <a:lstStyle/>
+          <a:p>
+            <a:pPr algn="ctr"/>
+            <a:r>
+              <a:rPr lang="de-DE" sz="2800" cap="all" dirty="0" err="1">
+                <a:solidFill>
+                  <a:schemeClr val="bg1"/>
+                </a:solidFill>
+                <a:effectLst>
+                  <a:outerShdw blurRad="177800" dist="38100" dir="2700000" algn="tl">
+                    <a:srgbClr val="000000">
+                      <a:alpha val="24000"/>
+                    </a:srgbClr>
+                  </a:outerShdw>
+                </a:effectLst>
+              </a:rPr>
+              <a:t>Published</a:t>
+            </a:r>
+            <a:r>
+              <a:rPr lang="de-DE" sz="2800" cap="all" dirty="0">
+                <a:solidFill>
+                  <a:schemeClr val="bg1"/>
+                </a:solidFill>
+                <a:effectLst>
+                  <a:outerShdw blurRad="177800" dist="38100" dir="2700000" algn="tl">
+                    <a:srgbClr val="000000">
+                      <a:alpha val="24000"/>
+                    </a:srgbClr>
+                  </a:outerShdw>
+                </a:effectLst>
+              </a:rPr>
+              <a:t> via </a:t>
+            </a:r>
+            <a:r>
+              <a:rPr lang="de-DE" sz="2800" cap="all" dirty="0" err="1">
+                <a:solidFill>
+                  <a:schemeClr val="bg1"/>
+                </a:solidFill>
+                <a:effectLst>
+                  <a:outerShdw blurRad="177800" dist="38100" dir="2700000" algn="tl">
+                    <a:srgbClr val="000000">
+                      <a:alpha val="24000"/>
+                    </a:srgbClr>
+                  </a:outerShdw>
+                </a:effectLst>
+              </a:rPr>
+              <a:t>blogdown</a:t>
+            </a:r>
+            <a:r>
+              <a:rPr lang="de-DE" sz="2800" cap="all" dirty="0">
+                <a:solidFill>
+                  <a:schemeClr val="bg1"/>
+                </a:solidFill>
+                <a:effectLst>
+                  <a:outerShdw blurRad="177800" dist="38100" dir="2700000" algn="tl">
+                    <a:srgbClr val="000000">
+                      <a:alpha val="24000"/>
+                    </a:srgbClr>
+                  </a:outerShdw>
+                </a:effectLst>
+              </a:rPr>
+              <a:t>:</a:t>
+            </a:r>
+            <a:endParaRPr lang="de-DE" sz="2800" dirty="0">
+              <a:solidFill>
+                <a:schemeClr val="bg1"/>
+              </a:solidFill>
+            </a:endParaRPr>
+          </a:p>
+          <a:p>
+            <a:pPr algn="ctr"/>
+            <a:r>
+              <a:rPr lang="de-DE" sz="2800" dirty="0">
+                <a:solidFill>
+                  <a:schemeClr val="bg1"/>
+                </a:solidFill>
+                <a:hlinkClick r:id="rId4">
+                  <a:extLst>
+                    <a:ext uri="{A12FA001-AC4F-418D-AE19-62706E023703}">
+                      <ahyp:hlinkClr xmlns:ahyp="http://schemas.microsoft.com/office/drawing/2018/hyperlinkcolor" val="tx"/>
+                    </a:ext>
+                  </a:extLst>
+                </a:hlinkClick>
+              </a:rPr>
+              <a:t>https://</a:t>
+            </a:r>
+            <a:r>
+              <a:rPr lang="de-DE" sz="2800" dirty="0" err="1">
+                <a:solidFill>
+                  <a:schemeClr val="bg1"/>
+                </a:solidFill>
+                <a:hlinkClick r:id="rId4">
+                  <a:extLst>
+                    <a:ext uri="{A12FA001-AC4F-418D-AE19-62706E023703}">
+                      <ahyp:hlinkClr xmlns:ahyp="http://schemas.microsoft.com/office/drawing/2018/hyperlinkcolor" val="tx"/>
+                    </a:ext>
+                  </a:extLst>
+                </a:hlinkClick>
+              </a:rPr>
+              <a:t>bit.ly</a:t>
+            </a:r>
+            <a:r>
+              <a:rPr lang="de-DE" sz="2800" dirty="0">
+                <a:solidFill>
+                  <a:schemeClr val="bg1"/>
+                </a:solidFill>
+                <a:hlinkClick r:id="rId4">
+                  <a:extLst>
+                    <a:ext uri="{A12FA001-AC4F-418D-AE19-62706E023703}">
+                      <ahyp:hlinkClr xmlns:ahyp="http://schemas.microsoft.com/office/drawing/2018/hyperlinkcolor" val="tx"/>
+                    </a:ext>
+                  </a:extLst>
+                </a:hlinkClick>
+              </a:rPr>
+              <a:t>/2ppe3pC</a:t>
+            </a:r>
+            <a:endParaRPr lang="de-DE" sz="2800" dirty="0">
+              <a:solidFill>
+                <a:schemeClr val="bg1"/>
+              </a:solidFill>
+            </a:endParaRPr>
+          </a:p>
+        </p:txBody>
+      </p:sp>
     </p:spTree>
     <p:extLst>
       <p:ext uri="{BB962C8B-B14F-4D97-AF65-F5344CB8AC3E}">
@@ -12899,7 +13365,7 @@
 </p:sld>
 </file>
 
-<file path=ppt/slides/slide11.xml><?xml version="1.0" encoding="utf-8"?>
+<file path=ppt/slides/slide12.xml><?xml version="1.0" encoding="utf-8"?>
 <p:sld xmlns:a="http://schemas.openxmlformats.org/drawingml/2006/main" xmlns:r="http://schemas.openxmlformats.org/officeDocument/2006/relationships" xmlns:p="http://schemas.openxmlformats.org/presentationml/2006/main">
   <p:cSld>
     <p:bg>
@@ -13072,8 +13538,8 @@
         </p:nvSpPr>
         <p:spPr>
           <a:xfrm>
-            <a:off x="1984953" y="2395478"/>
-            <a:ext cx="8218917" cy="2800767"/>
+            <a:off x="4031858" y="2395478"/>
+            <a:ext cx="4125104" cy="2800767"/>
           </a:xfrm>
           <a:prstGeom prst="rect">
             <a:avLst/>
@@ -13287,7 +13753,7 @@
                   </a:extLst>
                 </a:hlinkClick>
               </a:rPr>
-              <a:t>https://tender-easley-e37bcf.netlify.com/</a:t>
+              <a:t>https://bit.ly/2ppe3pC</a:t>
             </a:r>
             <a:endParaRPr lang="de-DE" sz="2800" cap="all" dirty="0">
               <a:solidFill>
@@ -13328,6 +13794,122 @@
     <p:extLst>
       <p:ext uri="{BB962C8B-B14F-4D97-AF65-F5344CB8AC3E}">
         <p14:creationId xmlns:p14="http://schemas.microsoft.com/office/powerpoint/2010/main" val="2848189300"/>
+      </p:ext>
+    </p:extLst>
+  </p:cSld>
+  <p:clrMapOvr>
+    <a:masterClrMapping/>
+  </p:clrMapOvr>
+</p:sld>
+</file>
+
+<file path=ppt/slides/slide13.xml><?xml version="1.0" encoding="utf-8"?>
+<p:sld xmlns:a="http://schemas.openxmlformats.org/drawingml/2006/main" xmlns:r="http://schemas.openxmlformats.org/officeDocument/2006/relationships" xmlns:p="http://schemas.openxmlformats.org/presentationml/2006/main">
+  <p:cSld>
+    <p:spTree>
+      <p:nvGrpSpPr>
+        <p:cNvPr id="1" name=""/>
+        <p:cNvGrpSpPr/>
+        <p:nvPr/>
+      </p:nvGrpSpPr>
+      <p:grpSpPr>
+        <a:xfrm>
+          <a:off x="0" y="0"/>
+          <a:ext cx="0" cy="0"/>
+          <a:chOff x="0" y="0"/>
+          <a:chExt cx="0" cy="0"/>
+        </a:xfrm>
+      </p:grpSpPr>
+      <p:sp>
+        <p:nvSpPr>
+          <p:cNvPr id="2" name="Titel 1">
+            <a:extLst>
+              <a:ext uri="{FF2B5EF4-FFF2-40B4-BE49-F238E27FC236}">
+                <a16:creationId xmlns:a16="http://schemas.microsoft.com/office/drawing/2014/main" id="{03F6EB60-A6A7-4167-8D90-A0BAF35CD303}"/>
+              </a:ext>
+            </a:extLst>
+          </p:cNvPr>
+          <p:cNvSpPr>
+            <a:spLocks noGrp="1"/>
+          </p:cNvSpPr>
+          <p:nvPr>
+            <p:ph type="title"/>
+          </p:nvPr>
+        </p:nvSpPr>
+        <p:spPr/>
+        <p:txBody>
+          <a:bodyPr/>
+          <a:lstStyle/>
+          <a:p>
+            <a:r>
+              <a:rPr lang="de-DE" dirty="0"/>
+              <a:t>Quellen</a:t>
+            </a:r>
+          </a:p>
+        </p:txBody>
+      </p:sp>
+      <p:sp>
+        <p:nvSpPr>
+          <p:cNvPr id="3" name="Inhaltsplatzhalter 2">
+            <a:extLst>
+              <a:ext uri="{FF2B5EF4-FFF2-40B4-BE49-F238E27FC236}">
+                <a16:creationId xmlns:a16="http://schemas.microsoft.com/office/drawing/2014/main" id="{DCF54A13-F616-4C5E-8B58-E6545FC312FF}"/>
+              </a:ext>
+            </a:extLst>
+          </p:cNvPr>
+          <p:cNvSpPr>
+            <a:spLocks noGrp="1"/>
+          </p:cNvSpPr>
+          <p:nvPr>
+            <p:ph idx="1"/>
+          </p:nvPr>
+        </p:nvSpPr>
+        <p:spPr/>
+        <p:txBody>
+          <a:bodyPr/>
+          <a:lstStyle/>
+          <a:p>
+            <a:r>
+              <a:rPr lang="de-DE" dirty="0">
+                <a:hlinkClick r:id="rId2"/>
+              </a:rPr>
+              <a:t>https://bookdown.org/yihui/blogdown/</a:t>
+            </a:r>
+            <a:endParaRPr lang="de-DE" dirty="0"/>
+          </a:p>
+          <a:p>
+            <a:r>
+              <a:rPr lang="de-DE" dirty="0">
+                <a:hlinkClick r:id="rId3"/>
+              </a:rPr>
+              <a:t>https://forcats.tidyverse.org/</a:t>
+            </a:r>
+            <a:endParaRPr lang="de-DE" dirty="0"/>
+          </a:p>
+          <a:p>
+            <a:r>
+              <a:rPr lang="de-DE" dirty="0">
+                <a:hlinkClick r:id="rId4"/>
+              </a:rPr>
+              <a:t>https://r4ds.had.co.nz/factors.html</a:t>
+            </a:r>
+            <a:endParaRPr lang="de-DE" dirty="0"/>
+          </a:p>
+          <a:p>
+            <a:r>
+              <a:rPr lang="de-DE" dirty="0">
+                <a:hlinkClick r:id="rId5"/>
+              </a:rPr>
+              <a:t>https://cran.r-project.org/web/packages/owmr/owmr.pdf</a:t>
+            </a:r>
+            <a:endParaRPr lang="de-DE" dirty="0"/>
+          </a:p>
+        </p:txBody>
+      </p:sp>
+    </p:spTree>
+    <p:extLst>
+      <p:ext uri="{BB962C8B-B14F-4D97-AF65-F5344CB8AC3E}">
+        <p14:creationId xmlns:p14="http://schemas.microsoft.com/office/powerpoint/2010/main" val="625309954"/>
       </p:ext>
     </p:extLst>
   </p:cSld>
@@ -13390,7 +13972,7 @@
                   <a:schemeClr val="bg1"/>
                 </a:solidFill>
               </a:rPr>
-              <a:t>Contents</a:t>
+              <a:t>Content</a:t>
             </a:r>
           </a:p>
         </p:txBody>
@@ -13877,6 +14459,72 @@
           </a:lstStyle>
           <a:p>
             <a:r>
+              <a:rPr lang="de-DE" sz="2800" dirty="0" err="1">
+                <a:solidFill>
+                  <a:schemeClr val="bg1"/>
+                </a:solidFill>
+              </a:rPr>
+              <a:t>How</a:t>
+            </a:r>
+            <a:r>
+              <a:rPr lang="de-DE" sz="2800" dirty="0">
+                <a:solidFill>
+                  <a:schemeClr val="bg1"/>
+                </a:solidFill>
+              </a:rPr>
+              <a:t> </a:t>
+            </a:r>
+            <a:r>
+              <a:rPr lang="de-DE" sz="2800" dirty="0" err="1">
+                <a:solidFill>
+                  <a:schemeClr val="bg1"/>
+                </a:solidFill>
+              </a:rPr>
+              <a:t>to</a:t>
+            </a:r>
+            <a:r>
+              <a:rPr lang="de-DE" sz="2800" dirty="0">
+                <a:solidFill>
+                  <a:schemeClr val="bg1"/>
+                </a:solidFill>
+              </a:rPr>
+              <a:t> </a:t>
+            </a:r>
+            <a:r>
+              <a:rPr lang="de-DE" sz="2800" dirty="0" err="1">
+                <a:solidFill>
+                  <a:schemeClr val="bg1"/>
+                </a:solidFill>
+              </a:rPr>
+              <a:t>use</a:t>
+            </a:r>
+            <a:r>
+              <a:rPr lang="de-DE" sz="2800" dirty="0">
+                <a:solidFill>
+                  <a:schemeClr val="bg1"/>
+                </a:solidFill>
+              </a:rPr>
+              <a:t> </a:t>
+            </a:r>
+            <a:r>
+              <a:rPr lang="de-DE" sz="2800" dirty="0" err="1">
+                <a:solidFill>
+                  <a:schemeClr val="bg1"/>
+                </a:solidFill>
+              </a:rPr>
+              <a:t>forcats</a:t>
+            </a:r>
+            <a:r>
+              <a:rPr lang="de-DE" sz="2800" dirty="0">
+                <a:solidFill>
+                  <a:schemeClr val="bg1"/>
+                </a:solidFill>
+              </a:rPr>
+              <a:t>?</a:t>
+            </a:r>
+          </a:p>
+          <a:p>
+            <a:r>
               <a:rPr lang="de-DE" sz="2800" dirty="0">
                 <a:solidFill>
                   <a:schemeClr val="bg1"/>
@@ -13897,56 +14545,6 @@
                 <a:schemeClr val="bg1"/>
               </a:solidFill>
             </a:endParaRPr>
-          </a:p>
-          <a:p>
-            <a:r>
-              <a:rPr lang="de-DE" sz="2800" dirty="0" err="1">
-                <a:solidFill>
-                  <a:schemeClr val="bg1"/>
-                </a:solidFill>
-              </a:rPr>
-              <a:t>What</a:t>
-            </a:r>
-            <a:r>
-              <a:rPr lang="de-DE" sz="2800" dirty="0">
-                <a:solidFill>
-                  <a:schemeClr val="bg1"/>
-                </a:solidFill>
-              </a:rPr>
-              <a:t> </a:t>
-            </a:r>
-            <a:r>
-              <a:rPr lang="de-DE" sz="2800" dirty="0" err="1">
-                <a:solidFill>
-                  <a:schemeClr val="bg1"/>
-                </a:solidFill>
-              </a:rPr>
-              <a:t>are</a:t>
-            </a:r>
-            <a:r>
-              <a:rPr lang="de-DE" sz="2800" dirty="0">
-                <a:solidFill>
-                  <a:schemeClr val="bg1"/>
-                </a:solidFill>
-              </a:rPr>
-              <a:t> </a:t>
-            </a:r>
-            <a:r>
-              <a:rPr lang="de-DE" sz="2800" dirty="0" err="1">
-                <a:solidFill>
-                  <a:schemeClr val="bg1"/>
-                </a:solidFill>
-              </a:rPr>
-              <a:t>facotors</a:t>
-            </a:r>
-            <a:r>
-              <a:rPr lang="de-DE" sz="2800" dirty="0">
-                <a:solidFill>
-                  <a:schemeClr val="bg1"/>
-                </a:solidFill>
-              </a:rPr>
-              <a:t>?</a:t>
-            </a:r>
           </a:p>
           <a:p>
             <a:r>
@@ -14137,7 +14735,7 @@
                   <a:schemeClr val="bg1"/>
                 </a:solidFill>
               </a:rPr>
-              <a:t>Provides an ecosystem for creating complex websites and blogs</a:t>
+              <a:t>Provides an ecosystem for creating complex websites</a:t>
             </a:r>
           </a:p>
           <a:p>
@@ -14411,77 +15009,18 @@
           <a:lstStyle/>
           <a:p>
             <a:r>
-              <a:rPr lang="de-DE" sz="2800" dirty="0" err="1">
+              <a:rPr lang="en-US" sz="2800" dirty="0">
                 <a:solidFill>
                   <a:schemeClr val="bg1"/>
                 </a:solidFill>
               </a:rPr>
-              <a:t>Offers</a:t>
-            </a:r>
-            <a:r>
-              <a:rPr lang="de-DE" sz="2800" dirty="0">
-                <a:solidFill>
-                  <a:schemeClr val="bg1"/>
-                </a:solidFill>
-              </a:rPr>
-              <a:t> </a:t>
-            </a:r>
-            <a:r>
-              <a:rPr lang="de-DE" sz="2800" dirty="0" err="1">
-                <a:solidFill>
-                  <a:schemeClr val="bg1"/>
-                </a:solidFill>
-              </a:rPr>
-              <a:t>simplified</a:t>
-            </a:r>
-            <a:r>
-              <a:rPr lang="de-DE" sz="2800" dirty="0">
-                <a:solidFill>
-                  <a:schemeClr val="bg1"/>
-                </a:solidFill>
-              </a:rPr>
-              <a:t> </a:t>
-            </a:r>
-            <a:r>
-              <a:rPr lang="de-DE" sz="2800" dirty="0" err="1">
-                <a:solidFill>
-                  <a:schemeClr val="bg1"/>
-                </a:solidFill>
-              </a:rPr>
-              <a:t>setting</a:t>
-            </a:r>
-            <a:r>
-              <a:rPr lang="de-DE" sz="2800" dirty="0">
-                <a:solidFill>
-                  <a:schemeClr val="bg1"/>
-                </a:solidFill>
-              </a:rPr>
-              <a:t> </a:t>
-            </a:r>
-            <a:r>
-              <a:rPr lang="de-DE" sz="2800" dirty="0" err="1">
-                <a:solidFill>
-                  <a:schemeClr val="bg1"/>
-                </a:solidFill>
-              </a:rPr>
-              <a:t>options</a:t>
-            </a:r>
-            <a:r>
-              <a:rPr lang="de-DE" sz="2800" dirty="0">
-                <a:solidFill>
-                  <a:schemeClr val="bg1"/>
-                </a:solidFill>
-              </a:rPr>
-              <a:t> via YAML </a:t>
-            </a:r>
-            <a:r>
-              <a:rPr lang="de-DE" sz="2800" dirty="0" err="1">
-                <a:solidFill>
-                  <a:schemeClr val="bg1"/>
-                </a:solidFill>
-              </a:rPr>
-              <a:t>metadata</a:t>
-            </a:r>
+              <a:t>There are many ready-made themes for every application</a:t>
+            </a:r>
+          </a:p>
+          <a:p>
+            <a:pPr marL="0" indent="0">
+              <a:buNone/>
+            </a:pPr>
             <a:endParaRPr lang="de-DE" sz="2800" dirty="0">
               <a:solidFill>
                 <a:schemeClr val="bg1"/>
@@ -14489,6 +15028,78 @@
             </a:endParaRPr>
           </a:p>
           <a:p>
+            <a:r>
+              <a:rPr lang="de-DE" sz="2800" dirty="0" err="1">
+                <a:solidFill>
+                  <a:schemeClr val="bg1"/>
+                </a:solidFill>
+              </a:rPr>
+              <a:t>Offers</a:t>
+            </a:r>
+            <a:r>
+              <a:rPr lang="de-DE" sz="2800" dirty="0">
+                <a:solidFill>
+                  <a:schemeClr val="bg1"/>
+                </a:solidFill>
+              </a:rPr>
+              <a:t> </a:t>
+            </a:r>
+            <a:r>
+              <a:rPr lang="de-DE" sz="2800" dirty="0" err="1">
+                <a:solidFill>
+                  <a:schemeClr val="bg1"/>
+                </a:solidFill>
+              </a:rPr>
+              <a:t>simplified</a:t>
+            </a:r>
+            <a:r>
+              <a:rPr lang="de-DE" sz="2800" dirty="0">
+                <a:solidFill>
+                  <a:schemeClr val="bg1"/>
+                </a:solidFill>
+              </a:rPr>
+              <a:t> </a:t>
+            </a:r>
+            <a:r>
+              <a:rPr lang="de-DE" sz="2800" dirty="0" err="1">
+                <a:solidFill>
+                  <a:schemeClr val="bg1"/>
+                </a:solidFill>
+              </a:rPr>
+              <a:t>setting</a:t>
+            </a:r>
+            <a:r>
+              <a:rPr lang="de-DE" sz="2800" dirty="0">
+                <a:solidFill>
+                  <a:schemeClr val="bg1"/>
+                </a:solidFill>
+              </a:rPr>
+              <a:t> </a:t>
+            </a:r>
+            <a:r>
+              <a:rPr lang="de-DE" sz="2800" dirty="0" err="1">
+                <a:solidFill>
+                  <a:schemeClr val="bg1"/>
+                </a:solidFill>
+              </a:rPr>
+              <a:t>options</a:t>
+            </a:r>
+            <a:r>
+              <a:rPr lang="de-DE" sz="2800" dirty="0">
+                <a:solidFill>
+                  <a:schemeClr val="bg1"/>
+                </a:solidFill>
+              </a:rPr>
+              <a:t> via YAML </a:t>
+            </a:r>
+            <a:r>
+              <a:rPr lang="de-DE" sz="2800" dirty="0" err="1">
+                <a:solidFill>
+                  <a:schemeClr val="bg1"/>
+                </a:solidFill>
+              </a:rPr>
+              <a:t>metadata</a:t>
+            </a:r>
             <a:endParaRPr lang="de-DE" sz="2800" dirty="0">
               <a:solidFill>
                 <a:schemeClr val="bg1"/>
@@ -14496,16 +15107,9 @@
             </a:endParaRPr>
           </a:p>
           <a:p>
-            <a:r>
-              <a:rPr lang="en-US" sz="2800" dirty="0">
-                <a:solidFill>
-                  <a:schemeClr val="bg1"/>
-                </a:solidFill>
-              </a:rPr>
-              <a:t>There are many ready-made themes for every application</a:t>
-            </a:r>
-          </a:p>
-          <a:p>
+            <a:pPr marL="0" indent="0">
+              <a:buNone/>
+            </a:pPr>
             <a:endParaRPr lang="en-US" sz="2800" dirty="0">
               <a:solidFill>
                 <a:schemeClr val="bg1"/>
@@ -15100,69 +15704,78 @@
           <a:p>
             <a:pPr algn="ctr"/>
             <a:r>
-              <a:rPr lang="en-AU" b="1" dirty="0">
+              <a:rPr lang="de-DE" b="1" dirty="0" err="1">
                 <a:solidFill>
                   <a:schemeClr val="bg1"/>
                 </a:solidFill>
               </a:rPr>
-              <a:t>Only a Few Commands</a:t>
-            </a:r>
-            <a:endParaRPr lang="en-AU" b="1" dirty="0"/>
-          </a:p>
-        </p:txBody>
-      </p:sp>
-      <p:sp>
-        <p:nvSpPr>
-          <p:cNvPr id="3" name="Inhaltsplatzhalter 2">
-            <a:extLst>
-              <a:ext uri="{FF2B5EF4-FFF2-40B4-BE49-F238E27FC236}">
-                <a16:creationId xmlns:a16="http://schemas.microsoft.com/office/drawing/2014/main" id="{4B206C89-51E7-4766-85D7-F79D9CAF5A7D}"/>
-              </a:ext>
-            </a:extLst>
-          </p:cNvPr>
-          <p:cNvSpPr>
-            <a:spLocks noGrp="1"/>
-          </p:cNvSpPr>
-          <p:nvPr>
-            <p:ph idx="1"/>
-          </p:nvPr>
-        </p:nvSpPr>
-        <p:spPr>
-          <a:xfrm>
-            <a:off x="1141412" y="2249486"/>
-            <a:ext cx="9905999" cy="4510239"/>
-          </a:xfrm>
-        </p:spPr>
-        <p:txBody>
-          <a:bodyPr vert="horz" lIns="91440" tIns="45720" rIns="91440" bIns="45720" rtlCol="0" anchor="t">
-            <a:normAutofit/>
-          </a:bodyPr>
-          <a:lstStyle/>
-          <a:p>
-            <a:pPr marL="0" indent="0">
-              <a:buNone/>
-            </a:pPr>
-            <a:br>
-              <a:rPr lang="en-US" dirty="0">
+              <a:t>How</a:t>
+            </a:r>
+            <a:r>
+              <a:rPr lang="de-DE" b="1" dirty="0">
                 <a:solidFill>
                   <a:schemeClr val="bg1"/>
                 </a:solidFill>
               </a:rPr>
-            </a:br>
-            <a:endParaRPr lang="en-US" dirty="0">
-              <a:solidFill>
-                <a:schemeClr val="bg1"/>
-              </a:solidFill>
-            </a:endParaRPr>
+              <a:t> </a:t>
+            </a:r>
+            <a:r>
+              <a:rPr lang="de-DE" b="1" dirty="0" err="1">
+                <a:solidFill>
+                  <a:schemeClr val="bg1"/>
+                </a:solidFill>
+              </a:rPr>
+              <a:t>is</a:t>
+            </a:r>
+            <a:r>
+              <a:rPr lang="de-DE" b="1" dirty="0">
+                <a:solidFill>
+                  <a:schemeClr val="bg1"/>
+                </a:solidFill>
+              </a:rPr>
+              <a:t> </a:t>
+            </a:r>
+            <a:r>
+              <a:rPr lang="de-DE" b="1" dirty="0" err="1">
+                <a:solidFill>
+                  <a:schemeClr val="bg1"/>
+                </a:solidFill>
+              </a:rPr>
+              <a:t>blogdown</a:t>
+            </a:r>
+            <a:r>
+              <a:rPr lang="de-DE" b="1" dirty="0">
+                <a:solidFill>
+                  <a:schemeClr val="bg1"/>
+                </a:solidFill>
+              </a:rPr>
+              <a:t> </a:t>
+            </a:r>
+            <a:r>
+              <a:rPr lang="de-DE" b="1" dirty="0" err="1">
+                <a:solidFill>
+                  <a:schemeClr val="bg1"/>
+                </a:solidFill>
+              </a:rPr>
+              <a:t>structured</a:t>
+            </a:r>
+            <a:r>
+              <a:rPr lang="de-DE" b="1" dirty="0">
+                <a:solidFill>
+                  <a:schemeClr val="bg1"/>
+                </a:solidFill>
+              </a:rPr>
+              <a:t>?</a:t>
+            </a:r>
           </a:p>
         </p:txBody>
       </p:sp>
       <p:pic>
         <p:nvPicPr>
-          <p:cNvPr id="5" name="Picture 2" descr="Bildergebnis für blogdown">
+          <p:cNvPr id="8" name="Picture 2" descr="Bildergebnis für blogdown">
             <a:extLst>
               <a:ext uri="{FF2B5EF4-FFF2-40B4-BE49-F238E27FC236}">
-                <a16:creationId xmlns:a16="http://schemas.microsoft.com/office/drawing/2014/main" id="{E87962F1-2751-A04C-B040-95C793E6EA55}"/>
+                <a16:creationId xmlns:a16="http://schemas.microsoft.com/office/drawing/2014/main" id="{33C1DC16-F04A-1745-B535-FC6926565A36}"/>
               </a:ext>
             </a:extLst>
           </p:cNvPr>
@@ -15206,472 +15819,732 @@
       </p:pic>
       <p:sp>
         <p:nvSpPr>
-          <p:cNvPr id="4" name="Textfeld 3">
+          <p:cNvPr id="7" name="Gefaltete Ecke 6">
             <a:extLst>
               <a:ext uri="{FF2B5EF4-FFF2-40B4-BE49-F238E27FC236}">
-                <a16:creationId xmlns:a16="http://schemas.microsoft.com/office/drawing/2014/main" id="{C87CD5D9-8FAE-E741-962A-D1687BBE0AE8}"/>
+                <a16:creationId xmlns:a16="http://schemas.microsoft.com/office/drawing/2014/main" id="{9ECBE82E-A140-7141-AEEC-276E5CB7A74B}"/>
               </a:ext>
             </a:extLst>
           </p:cNvPr>
-          <p:cNvSpPr txBox="1"/>
+          <p:cNvSpPr/>
           <p:nvPr/>
         </p:nvSpPr>
         <p:spPr>
           <a:xfrm>
-            <a:off x="3386667" y="2997200"/>
-            <a:ext cx="184731" cy="369332"/>
+            <a:off x="655529" y="2768252"/>
+            <a:ext cx="1490597" cy="1903956"/>
+          </a:xfrm>
+          <a:prstGeom prst="foldedCorner">
+            <a:avLst/>
+          </a:prstGeom>
+          <a:solidFill>
+            <a:srgbClr val="FFA601"/>
+          </a:solidFill>
+          <a:ln>
+            <a:solidFill>
+              <a:schemeClr val="bg1"/>
+            </a:solidFill>
+          </a:ln>
+        </p:spPr>
+        <p:style>
+          <a:lnRef idx="2">
+            <a:schemeClr val="accent1">
+              <a:shade val="50000"/>
+            </a:schemeClr>
+          </a:lnRef>
+          <a:fillRef idx="1">
+            <a:schemeClr val="accent1"/>
+          </a:fillRef>
+          <a:effectRef idx="0">
+            <a:schemeClr val="accent1"/>
+          </a:effectRef>
+          <a:fontRef idx="minor">
+            <a:schemeClr val="lt1"/>
+          </a:fontRef>
+        </p:style>
+        <p:txBody>
+          <a:bodyPr rtlCol="0" anchor="ctr"/>
+          <a:lstStyle/>
+          <a:p>
+            <a:pPr algn="ctr"/>
+            <a:r>
+              <a:rPr lang="de-DE" b="1" dirty="0" err="1"/>
+              <a:t>Rmd</a:t>
+            </a:r>
+            <a:endParaRPr lang="de-DE" b="1" dirty="0"/>
+          </a:p>
+        </p:txBody>
+      </p:sp>
+      <p:sp>
+        <p:nvSpPr>
+          <p:cNvPr id="9" name="Zylinder 8">
+            <a:extLst>
+              <a:ext uri="{FF2B5EF4-FFF2-40B4-BE49-F238E27FC236}">
+                <a16:creationId xmlns:a16="http://schemas.microsoft.com/office/drawing/2014/main" id="{36A76EE6-A5C5-2647-886B-8424C0B94293}"/>
+              </a:ext>
+            </a:extLst>
+          </p:cNvPr>
+          <p:cNvSpPr/>
+          <p:nvPr/>
+        </p:nvSpPr>
+        <p:spPr>
+          <a:xfrm>
+            <a:off x="3028168" y="2743198"/>
+            <a:ext cx="1528175" cy="2016691"/>
+          </a:xfrm>
+          <a:prstGeom prst="can">
+            <a:avLst/>
+          </a:prstGeom>
+          <a:solidFill>
+            <a:srgbClr val="FFA601"/>
+          </a:solidFill>
+          <a:ln>
+            <a:solidFill>
+              <a:schemeClr val="bg1"/>
+            </a:solidFill>
+          </a:ln>
+        </p:spPr>
+        <p:style>
+          <a:lnRef idx="2">
+            <a:schemeClr val="accent1">
+              <a:shade val="50000"/>
+            </a:schemeClr>
+          </a:lnRef>
+          <a:fillRef idx="1">
+            <a:schemeClr val="accent1"/>
+          </a:fillRef>
+          <a:effectRef idx="0">
+            <a:schemeClr val="accent1"/>
+          </a:effectRef>
+          <a:fontRef idx="minor">
+            <a:schemeClr val="lt1"/>
+          </a:fontRef>
+        </p:style>
+        <p:txBody>
+          <a:bodyPr rtlCol="0" anchor="ctr"/>
+          <a:lstStyle/>
+          <a:p>
+            <a:pPr algn="ctr"/>
+            <a:r>
+              <a:rPr lang="de-DE" b="1" dirty="0"/>
+              <a:t>Rendering</a:t>
+            </a:r>
+            <a:br>
+              <a:rPr lang="de-DE" b="1" dirty="0"/>
+            </a:br>
+            <a:r>
+              <a:rPr lang="de-DE" b="1" dirty="0"/>
+              <a:t>via</a:t>
+            </a:r>
+            <a:br>
+              <a:rPr lang="de-DE" b="1" dirty="0"/>
+            </a:br>
+            <a:r>
+              <a:rPr lang="de-DE" b="1" dirty="0" err="1"/>
+              <a:t>Blogdown</a:t>
+            </a:r>
+            <a:endParaRPr lang="de-DE" b="1" dirty="0"/>
+          </a:p>
+        </p:txBody>
+      </p:sp>
+      <p:grpSp>
+        <p:nvGrpSpPr>
+          <p:cNvPr id="18" name="Gruppieren 17">
+            <a:extLst>
+              <a:ext uri="{FF2B5EF4-FFF2-40B4-BE49-F238E27FC236}">
+                <a16:creationId xmlns:a16="http://schemas.microsoft.com/office/drawing/2014/main" id="{7F3DC0C7-01F4-1144-BB93-5B073BE4F07C}"/>
+              </a:ext>
+            </a:extLst>
+          </p:cNvPr>
+          <p:cNvGrpSpPr/>
+          <p:nvPr/>
+        </p:nvGrpSpPr>
+        <p:grpSpPr>
+          <a:xfrm>
+            <a:off x="5386195" y="2931090"/>
+            <a:ext cx="1582454" cy="1482247"/>
+            <a:chOff x="6338171" y="2931090"/>
+            <a:chExt cx="1582454" cy="1482247"/>
+          </a:xfrm>
+        </p:grpSpPr>
+        <p:sp>
+          <p:nvSpPr>
+            <p:cNvPr id="13" name="Rechteck 12">
+              <a:extLst>
+                <a:ext uri="{FF2B5EF4-FFF2-40B4-BE49-F238E27FC236}">
+                  <a16:creationId xmlns:a16="http://schemas.microsoft.com/office/drawing/2014/main" id="{66D44EEB-7737-1E44-B0B1-89D26523EDAD}"/>
+                </a:ext>
+              </a:extLst>
+            </p:cNvPr>
+            <p:cNvSpPr/>
+            <p:nvPr/>
+          </p:nvSpPr>
+          <p:spPr>
+            <a:xfrm>
+              <a:off x="6642971" y="3235890"/>
+              <a:ext cx="1277654" cy="1177447"/>
+            </a:xfrm>
+            <a:prstGeom prst="rect">
+              <a:avLst/>
+            </a:prstGeom>
+            <a:solidFill>
+              <a:srgbClr val="FFA601"/>
+            </a:solidFill>
+            <a:ln>
+              <a:solidFill>
+                <a:schemeClr val="bg1"/>
+              </a:solidFill>
+            </a:ln>
+          </p:spPr>
+          <p:style>
+            <a:lnRef idx="2">
+              <a:schemeClr val="accent1">
+                <a:shade val="50000"/>
+              </a:schemeClr>
+            </a:lnRef>
+            <a:fillRef idx="1">
+              <a:schemeClr val="accent1"/>
+            </a:fillRef>
+            <a:effectRef idx="0">
+              <a:schemeClr val="accent1"/>
+            </a:effectRef>
+            <a:fontRef idx="minor">
+              <a:schemeClr val="lt1"/>
+            </a:fontRef>
+          </p:style>
+          <p:txBody>
+            <a:bodyPr rtlCol="0" anchor="ctr"/>
+            <a:lstStyle/>
+            <a:p>
+              <a:pPr algn="ctr"/>
+              <a:endParaRPr lang="de-DE"/>
+            </a:p>
+          </p:txBody>
+        </p:sp>
+        <p:sp>
+          <p:nvSpPr>
+            <p:cNvPr id="12" name="Rechteck 11">
+              <a:extLst>
+                <a:ext uri="{FF2B5EF4-FFF2-40B4-BE49-F238E27FC236}">
+                  <a16:creationId xmlns:a16="http://schemas.microsoft.com/office/drawing/2014/main" id="{B3DBDB29-7210-F94A-BE86-D36AA221E185}"/>
+                </a:ext>
+              </a:extLst>
+            </p:cNvPr>
+            <p:cNvSpPr/>
+            <p:nvPr/>
+          </p:nvSpPr>
+          <p:spPr>
+            <a:xfrm>
+              <a:off x="6490571" y="3083490"/>
+              <a:ext cx="1277654" cy="1177447"/>
+            </a:xfrm>
+            <a:prstGeom prst="rect">
+              <a:avLst/>
+            </a:prstGeom>
+            <a:solidFill>
+              <a:srgbClr val="FFA601"/>
+            </a:solidFill>
+            <a:ln>
+              <a:solidFill>
+                <a:schemeClr val="bg1"/>
+              </a:solidFill>
+            </a:ln>
+          </p:spPr>
+          <p:style>
+            <a:lnRef idx="2">
+              <a:schemeClr val="accent1">
+                <a:shade val="50000"/>
+              </a:schemeClr>
+            </a:lnRef>
+            <a:fillRef idx="1">
+              <a:schemeClr val="accent1"/>
+            </a:fillRef>
+            <a:effectRef idx="0">
+              <a:schemeClr val="accent1"/>
+            </a:effectRef>
+            <a:fontRef idx="minor">
+              <a:schemeClr val="lt1"/>
+            </a:fontRef>
+          </p:style>
+          <p:txBody>
+            <a:bodyPr rtlCol="0" anchor="ctr"/>
+            <a:lstStyle/>
+            <a:p>
+              <a:pPr algn="ctr"/>
+              <a:endParaRPr lang="de-DE"/>
+            </a:p>
+          </p:txBody>
+        </p:sp>
+        <p:sp>
+          <p:nvSpPr>
+            <p:cNvPr id="10" name="Rechteck 9">
+              <a:extLst>
+                <a:ext uri="{FF2B5EF4-FFF2-40B4-BE49-F238E27FC236}">
+                  <a16:creationId xmlns:a16="http://schemas.microsoft.com/office/drawing/2014/main" id="{2A6167DF-FEB9-324F-A8BD-563678D4B848}"/>
+                </a:ext>
+              </a:extLst>
+            </p:cNvPr>
+            <p:cNvSpPr/>
+            <p:nvPr/>
+          </p:nvSpPr>
+          <p:spPr>
+            <a:xfrm>
+              <a:off x="6338171" y="2931090"/>
+              <a:ext cx="1277654" cy="1177447"/>
+            </a:xfrm>
+            <a:prstGeom prst="rect">
+              <a:avLst/>
+            </a:prstGeom>
+            <a:solidFill>
+              <a:srgbClr val="FFA601"/>
+            </a:solidFill>
+            <a:ln>
+              <a:solidFill>
+                <a:schemeClr val="bg1"/>
+              </a:solidFill>
+            </a:ln>
+          </p:spPr>
+          <p:style>
+            <a:lnRef idx="2">
+              <a:schemeClr val="accent1">
+                <a:shade val="50000"/>
+              </a:schemeClr>
+            </a:lnRef>
+            <a:fillRef idx="1">
+              <a:schemeClr val="accent1"/>
+            </a:fillRef>
+            <a:effectRef idx="0">
+              <a:schemeClr val="accent1"/>
+            </a:effectRef>
+            <a:fontRef idx="minor">
+              <a:schemeClr val="lt1"/>
+            </a:fontRef>
+          </p:style>
+          <p:txBody>
+            <a:bodyPr rtlCol="0" anchor="ctr"/>
+            <a:lstStyle/>
+            <a:p>
+              <a:pPr algn="ctr"/>
+              <a:r>
+                <a:rPr lang="en-AU" b="1" dirty="0"/>
+                <a:t>Locale</a:t>
+              </a:r>
+            </a:p>
+            <a:p>
+              <a:pPr algn="ctr"/>
+              <a:r>
+                <a:rPr lang="en-AU" b="1" dirty="0"/>
+                <a:t>Website </a:t>
+              </a:r>
+              <a:br>
+                <a:rPr lang="en-AU" dirty="0"/>
+              </a:br>
+              <a:endParaRPr lang="en-AU" dirty="0"/>
+            </a:p>
+          </p:txBody>
+        </p:sp>
+      </p:grpSp>
+      <p:cxnSp>
+        <p:nvCxnSpPr>
+          <p:cNvPr id="14" name="Gerade Verbindung mit Pfeil 13">
+            <a:extLst>
+              <a:ext uri="{FF2B5EF4-FFF2-40B4-BE49-F238E27FC236}">
+                <a16:creationId xmlns:a16="http://schemas.microsoft.com/office/drawing/2014/main" id="{8F0B4DD2-0B7B-F045-B6C4-9F162CF89A41}"/>
+              </a:ext>
+            </a:extLst>
+          </p:cNvPr>
+          <p:cNvCxnSpPr/>
+          <p:nvPr/>
+        </p:nvCxnSpPr>
+        <p:spPr>
+          <a:xfrm>
+            <a:off x="2304790" y="3751544"/>
+            <a:ext cx="588724" cy="0"/>
+          </a:xfrm>
+          <a:prstGeom prst="straightConnector1">
+            <a:avLst/>
+          </a:prstGeom>
+          <a:ln w="76200">
+            <a:tailEnd type="triangle"/>
+          </a:ln>
+        </p:spPr>
+        <p:style>
+          <a:lnRef idx="3">
+            <a:schemeClr val="dk1"/>
+          </a:lnRef>
+          <a:fillRef idx="0">
+            <a:schemeClr val="dk1"/>
+          </a:fillRef>
+          <a:effectRef idx="2">
+            <a:schemeClr val="dk1"/>
+          </a:effectRef>
+          <a:fontRef idx="minor">
+            <a:schemeClr val="tx1"/>
+          </a:fontRef>
+        </p:style>
+      </p:cxnSp>
+      <p:cxnSp>
+        <p:nvCxnSpPr>
+          <p:cNvPr id="16" name="Gerade Verbindung mit Pfeil 15">
+            <a:extLst>
+              <a:ext uri="{FF2B5EF4-FFF2-40B4-BE49-F238E27FC236}">
+                <a16:creationId xmlns:a16="http://schemas.microsoft.com/office/drawing/2014/main" id="{8B7C6083-F0CD-E748-88F7-E827579A07AB}"/>
+              </a:ext>
+            </a:extLst>
+          </p:cNvPr>
+          <p:cNvCxnSpPr/>
+          <p:nvPr/>
+        </p:nvCxnSpPr>
+        <p:spPr>
+          <a:xfrm>
+            <a:off x="4711876" y="3751543"/>
+            <a:ext cx="588724" cy="0"/>
+          </a:xfrm>
+          <a:prstGeom prst="straightConnector1">
+            <a:avLst/>
+          </a:prstGeom>
+          <a:ln w="76200">
+            <a:tailEnd type="triangle"/>
+          </a:ln>
+        </p:spPr>
+        <p:style>
+          <a:lnRef idx="3">
+            <a:schemeClr val="dk1"/>
+          </a:lnRef>
+          <a:fillRef idx="0">
+            <a:schemeClr val="dk1"/>
+          </a:fillRef>
+          <a:effectRef idx="2">
+            <a:schemeClr val="dk1"/>
+          </a:effectRef>
+          <a:fontRef idx="minor">
+            <a:schemeClr val="tx1"/>
+          </a:fontRef>
+        </p:style>
+      </p:cxnSp>
+      <p:cxnSp>
+        <p:nvCxnSpPr>
+          <p:cNvPr id="17" name="Gerade Verbindung mit Pfeil 16">
+            <a:extLst>
+              <a:ext uri="{FF2B5EF4-FFF2-40B4-BE49-F238E27FC236}">
+                <a16:creationId xmlns:a16="http://schemas.microsoft.com/office/drawing/2014/main" id="{3003189E-F4B2-5540-9C11-B8135F169908}"/>
+              </a:ext>
+            </a:extLst>
+          </p:cNvPr>
+          <p:cNvCxnSpPr/>
+          <p:nvPr/>
+        </p:nvCxnSpPr>
+        <p:spPr>
+          <a:xfrm>
+            <a:off x="7091820" y="3776596"/>
+            <a:ext cx="588724" cy="0"/>
+          </a:xfrm>
+          <a:prstGeom prst="straightConnector1">
+            <a:avLst/>
+          </a:prstGeom>
+          <a:ln w="76200">
+            <a:tailEnd type="triangle"/>
+          </a:ln>
+        </p:spPr>
+        <p:style>
+          <a:lnRef idx="3">
+            <a:schemeClr val="dk1"/>
+          </a:lnRef>
+          <a:fillRef idx="0">
+            <a:schemeClr val="dk1"/>
+          </a:fillRef>
+          <a:effectRef idx="2">
+            <a:schemeClr val="dk1"/>
+          </a:effectRef>
+          <a:fontRef idx="minor">
+            <a:schemeClr val="tx1"/>
+          </a:fontRef>
+        </p:style>
+      </p:cxnSp>
+      <p:sp>
+        <p:nvSpPr>
+          <p:cNvPr id="15" name="Stern mit 24 Zacken 14">
+            <a:extLst>
+              <a:ext uri="{FF2B5EF4-FFF2-40B4-BE49-F238E27FC236}">
+                <a16:creationId xmlns:a16="http://schemas.microsoft.com/office/drawing/2014/main" id="{76F6A9B3-858B-8F4E-BD19-622BD94FC8AF}"/>
+              </a:ext>
+            </a:extLst>
+          </p:cNvPr>
+          <p:cNvSpPr/>
+          <p:nvPr/>
+        </p:nvSpPr>
+        <p:spPr>
+          <a:xfrm>
+            <a:off x="7798501" y="2922215"/>
+            <a:ext cx="1603875" cy="1658655"/>
+          </a:xfrm>
+          <a:prstGeom prst="star24">
+            <a:avLst/>
+          </a:prstGeom>
+          <a:solidFill>
+            <a:srgbClr val="FFA601"/>
+          </a:solidFill>
+        </p:spPr>
+        <p:style>
+          <a:lnRef idx="2">
+            <a:schemeClr val="accent1">
+              <a:shade val="50000"/>
+            </a:schemeClr>
+          </a:lnRef>
+          <a:fillRef idx="1">
+            <a:schemeClr val="accent1"/>
+          </a:fillRef>
+          <a:effectRef idx="0">
+            <a:schemeClr val="accent1"/>
+          </a:effectRef>
+          <a:fontRef idx="minor">
+            <a:schemeClr val="lt1"/>
+          </a:fontRef>
+        </p:style>
+        <p:txBody>
+          <a:bodyPr rtlCol="0" anchor="ctr"/>
+          <a:lstStyle/>
+          <a:p>
+            <a:pPr algn="ctr"/>
+            <a:r>
+              <a:rPr lang="de-DE" b="1" dirty="0" err="1"/>
+              <a:t>Github</a:t>
+            </a:r>
+            <a:endParaRPr lang="de-DE" b="1" dirty="0"/>
+          </a:p>
+        </p:txBody>
+      </p:sp>
+      <p:cxnSp>
+        <p:nvCxnSpPr>
+          <p:cNvPr id="19" name="Gerade Verbindung mit Pfeil 18">
+            <a:extLst>
+              <a:ext uri="{FF2B5EF4-FFF2-40B4-BE49-F238E27FC236}">
+                <a16:creationId xmlns:a16="http://schemas.microsoft.com/office/drawing/2014/main" id="{ADC80212-D33E-8C4C-8CFB-03888DC9264E}"/>
+              </a:ext>
+            </a:extLst>
+          </p:cNvPr>
+          <p:cNvCxnSpPr/>
+          <p:nvPr/>
+        </p:nvCxnSpPr>
+        <p:spPr>
+          <a:xfrm>
+            <a:off x="9461693" y="3824613"/>
+            <a:ext cx="588724" cy="0"/>
+          </a:xfrm>
+          <a:prstGeom prst="straightConnector1">
+            <a:avLst/>
+          </a:prstGeom>
+          <a:ln w="76200">
+            <a:tailEnd type="triangle"/>
+          </a:ln>
+        </p:spPr>
+        <p:style>
+          <a:lnRef idx="3">
+            <a:schemeClr val="dk1"/>
+          </a:lnRef>
+          <a:fillRef idx="0">
+            <a:schemeClr val="dk1"/>
+          </a:fillRef>
+          <a:effectRef idx="2">
+            <a:schemeClr val="dk1"/>
+          </a:effectRef>
+          <a:fontRef idx="minor">
+            <a:schemeClr val="tx1"/>
+          </a:fontRef>
+        </p:style>
+      </p:cxnSp>
+      <p:sp>
+        <p:nvSpPr>
+          <p:cNvPr id="20" name="Rechteck 19">
+            <a:extLst>
+              <a:ext uri="{FF2B5EF4-FFF2-40B4-BE49-F238E27FC236}">
+                <a16:creationId xmlns:a16="http://schemas.microsoft.com/office/drawing/2014/main" id="{623D437E-D465-474B-AA9C-1A5D09E97E6B}"/>
+              </a:ext>
+            </a:extLst>
+          </p:cNvPr>
+          <p:cNvSpPr/>
+          <p:nvPr/>
+        </p:nvSpPr>
+        <p:spPr>
+          <a:xfrm>
+            <a:off x="7348088" y="2329294"/>
+            <a:ext cx="4668930" cy="497910"/>
           </a:xfrm>
           <a:prstGeom prst="rect">
             <a:avLst/>
           </a:prstGeom>
-          <a:noFill/>
+          <a:solidFill>
+            <a:srgbClr val="FFA601"/>
+          </a:solidFill>
         </p:spPr>
+        <p:style>
+          <a:lnRef idx="2">
+            <a:schemeClr val="accent1">
+              <a:shade val="50000"/>
+            </a:schemeClr>
+          </a:lnRef>
+          <a:fillRef idx="1">
+            <a:schemeClr val="accent1"/>
+          </a:fillRef>
+          <a:effectRef idx="0">
+            <a:schemeClr val="accent1"/>
+          </a:effectRef>
+          <a:fontRef idx="minor">
+            <a:schemeClr val="lt1"/>
+          </a:fontRef>
+        </p:style>
         <p:txBody>
-          <a:bodyPr wrap="none" rtlCol="0">
-            <a:spAutoFit/>
-          </a:bodyPr>
+          <a:bodyPr rtlCol="0" anchor="ctr"/>
           <a:lstStyle/>
           <a:p>
-            <a:endParaRPr lang="de-DE" dirty="0"/>
+            <a:pPr algn="ctr"/>
+            <a:r>
+              <a:rPr lang="de-DE" b="1" dirty="0"/>
+              <a:t>-&gt;  </a:t>
+            </a:r>
+            <a:r>
+              <a:rPr lang="de-DE" b="1" dirty="0" err="1"/>
+              <a:t>continuous</a:t>
+            </a:r>
+            <a:r>
+              <a:rPr lang="de-DE" b="1" dirty="0"/>
+              <a:t> </a:t>
+            </a:r>
+            <a:r>
+              <a:rPr lang="de-DE" b="1" dirty="0" err="1"/>
+              <a:t>deployment</a:t>
+            </a:r>
+            <a:r>
+              <a:rPr lang="de-DE" b="1" dirty="0"/>
+              <a:t>  -&gt;</a:t>
+            </a:r>
           </a:p>
         </p:txBody>
       </p:sp>
       <p:sp>
         <p:nvSpPr>
-          <p:cNvPr id="7" name="Inhaltsplatzhalter 2">
+          <p:cNvPr id="23" name="Rechteck 22">
             <a:extLst>
               <a:ext uri="{FF2B5EF4-FFF2-40B4-BE49-F238E27FC236}">
-                <a16:creationId xmlns:a16="http://schemas.microsoft.com/office/drawing/2014/main" id="{F80A5180-65E0-8C4B-8098-9B0030CB28F6}"/>
+                <a16:creationId xmlns:a16="http://schemas.microsoft.com/office/drawing/2014/main" id="{19A201DD-671A-2145-AABA-E64A5BB40BC1}"/>
               </a:ext>
             </a:extLst>
           </p:cNvPr>
-          <p:cNvSpPr txBox="1">
-            <a:spLocks/>
-          </p:cNvSpPr>
+          <p:cNvSpPr/>
           <p:nvPr/>
         </p:nvSpPr>
         <p:spPr>
           <a:xfrm>
-            <a:off x="1310745" y="2249486"/>
-            <a:ext cx="9905999" cy="4510239"/>
+            <a:off x="10200750" y="3185311"/>
+            <a:ext cx="1816267" cy="497910"/>
           </a:xfrm>
           <a:prstGeom prst="rect">
             <a:avLst/>
           </a:prstGeom>
+          <a:solidFill>
+            <a:srgbClr val="FFA601"/>
+          </a:solidFill>
         </p:spPr>
+        <p:style>
+          <a:lnRef idx="2">
+            <a:schemeClr val="accent1">
+              <a:shade val="50000"/>
+            </a:schemeClr>
+          </a:lnRef>
+          <a:fillRef idx="1">
+            <a:schemeClr val="accent1"/>
+          </a:fillRef>
+          <a:effectRef idx="0">
+            <a:schemeClr val="accent1"/>
+          </a:effectRef>
+          <a:fontRef idx="minor">
+            <a:schemeClr val="lt1"/>
+          </a:fontRef>
+        </p:style>
         <p:txBody>
-          <a:bodyPr vert="horz" lIns="91440" tIns="45720" rIns="91440" bIns="45720" rtlCol="0">
-            <a:normAutofit/>
-          </a:bodyPr>
-          <a:lstStyle>
-            <a:lvl1pPr marL="228600" indent="-228600" algn="l" defTabSz="914400" rtl="0" eaLnBrk="1" latinLnBrk="0" hangingPunct="1">
-              <a:lnSpc>
-                <a:spcPct val="120000"/>
-              </a:lnSpc>
-              <a:spcBef>
-                <a:spcPts val="1000"/>
-              </a:spcBef>
-              <a:buSzPct val="125000"/>
-              <a:buFont typeface="Arial" panose="020B0604020202020204" pitchFamily="34" charset="0"/>
-              <a:buChar char="•"/>
-              <a:defRPr sz="2400" kern="1200">
-                <a:solidFill>
-                  <a:schemeClr val="tx1"/>
-                </a:solidFill>
-                <a:effectLst>
-                  <a:outerShdw blurRad="152400" dist="38100" dir="2700000" algn="tl">
-                    <a:srgbClr val="000000">
-                      <a:alpha val="36000"/>
-                    </a:srgbClr>
-                  </a:outerShdw>
-                </a:effectLst>
-                <a:latin typeface="+mn-lt"/>
-                <a:ea typeface="+mn-ea"/>
-                <a:cs typeface="+mn-cs"/>
-              </a:defRPr>
-            </a:lvl1pPr>
-            <a:lvl2pPr marL="685800" indent="-228600" algn="l" defTabSz="914400" rtl="0" eaLnBrk="1" latinLnBrk="0" hangingPunct="1">
-              <a:lnSpc>
-                <a:spcPct val="120000"/>
-              </a:lnSpc>
-              <a:spcBef>
-                <a:spcPts val="500"/>
-              </a:spcBef>
-              <a:buSzPct val="125000"/>
-              <a:buFont typeface="Arial" panose="020B0604020202020204" pitchFamily="34" charset="0"/>
-              <a:buChar char="•"/>
-              <a:defRPr sz="2000" kern="1200">
-                <a:solidFill>
-                  <a:schemeClr val="tx1"/>
-                </a:solidFill>
-                <a:effectLst>
-                  <a:outerShdw blurRad="152400" dist="38100" dir="2700000" algn="tl">
-                    <a:srgbClr val="000000">
-                      <a:alpha val="36000"/>
-                    </a:srgbClr>
-                  </a:outerShdw>
-                </a:effectLst>
-                <a:latin typeface="+mn-lt"/>
-                <a:ea typeface="+mn-ea"/>
-                <a:cs typeface="+mn-cs"/>
-              </a:defRPr>
-            </a:lvl2pPr>
-            <a:lvl3pPr marL="1143000" indent="-228600" algn="l" defTabSz="914400" rtl="0" eaLnBrk="1" latinLnBrk="0" hangingPunct="1">
-              <a:lnSpc>
-                <a:spcPct val="120000"/>
-              </a:lnSpc>
-              <a:spcBef>
-                <a:spcPts val="500"/>
-              </a:spcBef>
-              <a:buSzPct val="125000"/>
-              <a:buFont typeface="Arial" panose="020B0604020202020204" pitchFamily="34" charset="0"/>
-              <a:buChar char="•"/>
-              <a:defRPr sz="1800" kern="1200">
-                <a:solidFill>
-                  <a:schemeClr val="tx1"/>
-                </a:solidFill>
-                <a:effectLst>
-                  <a:outerShdw blurRad="152400" dist="38100" dir="2700000" algn="tl">
-                    <a:srgbClr val="000000">
-                      <a:alpha val="36000"/>
-                    </a:srgbClr>
-                  </a:outerShdw>
-                </a:effectLst>
-                <a:latin typeface="+mn-lt"/>
-                <a:ea typeface="+mn-ea"/>
-                <a:cs typeface="+mn-cs"/>
-              </a:defRPr>
-            </a:lvl3pPr>
-            <a:lvl4pPr marL="1600200" indent="-228600" algn="l" defTabSz="914400" rtl="0" eaLnBrk="1" latinLnBrk="0" hangingPunct="1">
-              <a:lnSpc>
-                <a:spcPct val="120000"/>
-              </a:lnSpc>
-              <a:spcBef>
-                <a:spcPts val="500"/>
-              </a:spcBef>
-              <a:buSzPct val="125000"/>
-              <a:buFont typeface="Arial" panose="020B0604020202020204" pitchFamily="34" charset="0"/>
-              <a:buChar char="•"/>
-              <a:defRPr sz="1600" kern="1200">
-                <a:solidFill>
-                  <a:schemeClr val="tx1"/>
-                </a:solidFill>
-                <a:effectLst>
-                  <a:outerShdw blurRad="152400" dist="38100" dir="2700000" algn="tl">
-                    <a:srgbClr val="000000">
-                      <a:alpha val="36000"/>
-                    </a:srgbClr>
-                  </a:outerShdw>
-                </a:effectLst>
-                <a:latin typeface="+mn-lt"/>
-                <a:ea typeface="+mn-ea"/>
-                <a:cs typeface="+mn-cs"/>
-              </a:defRPr>
-            </a:lvl4pPr>
-            <a:lvl5pPr marL="2057400" indent="-228600" algn="l" defTabSz="914400" rtl="0" eaLnBrk="1" latinLnBrk="0" hangingPunct="1">
-              <a:lnSpc>
-                <a:spcPct val="120000"/>
-              </a:lnSpc>
-              <a:spcBef>
-                <a:spcPts val="500"/>
-              </a:spcBef>
-              <a:buSzPct val="125000"/>
-              <a:buFont typeface="Arial" panose="020B0604020202020204" pitchFamily="34" charset="0"/>
-              <a:buChar char="•"/>
-              <a:defRPr sz="1600" kern="1200">
-                <a:solidFill>
-                  <a:schemeClr val="tx1"/>
-                </a:solidFill>
-                <a:effectLst>
-                  <a:outerShdw blurRad="152400" dist="38100" dir="2700000" algn="tl">
-                    <a:srgbClr val="000000">
-                      <a:alpha val="36000"/>
-                    </a:srgbClr>
-                  </a:outerShdw>
-                </a:effectLst>
-                <a:latin typeface="+mn-lt"/>
-                <a:ea typeface="+mn-ea"/>
-                <a:cs typeface="+mn-cs"/>
-              </a:defRPr>
-            </a:lvl5pPr>
-            <a:lvl6pPr marL="2514600" indent="-228600" algn="l" defTabSz="914400" rtl="0" eaLnBrk="1" latinLnBrk="0" hangingPunct="1">
-              <a:lnSpc>
-                <a:spcPct val="120000"/>
-              </a:lnSpc>
-              <a:spcBef>
-                <a:spcPts val="500"/>
-              </a:spcBef>
-              <a:buSzPct val="125000"/>
-              <a:buFont typeface="Arial" panose="020B0604020202020204" pitchFamily="34" charset="0"/>
-              <a:buChar char="•"/>
-              <a:defRPr sz="1400" kern="1200">
-                <a:solidFill>
-                  <a:schemeClr val="tx1"/>
-                </a:solidFill>
-                <a:latin typeface="+mn-lt"/>
-                <a:ea typeface="+mn-ea"/>
-                <a:cs typeface="+mn-cs"/>
-              </a:defRPr>
-            </a:lvl6pPr>
-            <a:lvl7pPr marL="2971800" indent="-228600" algn="l" defTabSz="914400" rtl="0" eaLnBrk="1" latinLnBrk="0" hangingPunct="1">
-              <a:lnSpc>
-                <a:spcPct val="120000"/>
-              </a:lnSpc>
-              <a:spcBef>
-                <a:spcPts val="500"/>
-              </a:spcBef>
-              <a:buSzPct val="125000"/>
-              <a:buFont typeface="Arial" panose="020B0604020202020204" pitchFamily="34" charset="0"/>
-              <a:buChar char="•"/>
-              <a:defRPr sz="1400" kern="1200">
-                <a:solidFill>
-                  <a:schemeClr val="tx1"/>
-                </a:solidFill>
-                <a:latin typeface="+mn-lt"/>
-                <a:ea typeface="+mn-ea"/>
-                <a:cs typeface="+mn-cs"/>
-              </a:defRPr>
-            </a:lvl7pPr>
-            <a:lvl8pPr marL="3429000" indent="-228600" algn="l" defTabSz="914400" rtl="0" eaLnBrk="1" latinLnBrk="0" hangingPunct="1">
-              <a:lnSpc>
-                <a:spcPct val="120000"/>
-              </a:lnSpc>
-              <a:spcBef>
-                <a:spcPts val="500"/>
-              </a:spcBef>
-              <a:buSzPct val="125000"/>
-              <a:buFont typeface="Arial" panose="020B0604020202020204" pitchFamily="34" charset="0"/>
-              <a:buChar char="•"/>
-              <a:defRPr sz="1400" kern="1200">
-                <a:solidFill>
-                  <a:schemeClr val="tx1"/>
-                </a:solidFill>
-                <a:latin typeface="+mn-lt"/>
-                <a:ea typeface="+mn-ea"/>
-                <a:cs typeface="+mn-cs"/>
-              </a:defRPr>
-            </a:lvl8pPr>
-            <a:lvl9pPr marL="3886200" indent="-228600" algn="l" defTabSz="914400" rtl="0" eaLnBrk="1" latinLnBrk="0" hangingPunct="1">
-              <a:lnSpc>
-                <a:spcPct val="120000"/>
-              </a:lnSpc>
-              <a:spcBef>
-                <a:spcPts val="500"/>
-              </a:spcBef>
-              <a:buSzPct val="125000"/>
-              <a:buFont typeface="Arial" panose="020B0604020202020204" pitchFamily="34" charset="0"/>
-              <a:buChar char="•"/>
-              <a:defRPr sz="1400" kern="1200">
-                <a:solidFill>
-                  <a:schemeClr val="tx1"/>
-                </a:solidFill>
-                <a:latin typeface="+mn-lt"/>
-                <a:ea typeface="+mn-ea"/>
-                <a:cs typeface="+mn-cs"/>
-              </a:defRPr>
-            </a:lvl9pPr>
-          </a:lstStyle>
-          <a:p>
-            <a:r>
-              <a:rPr lang="en-US" sz="2800" dirty="0">
-                <a:solidFill>
-                  <a:schemeClr val="bg1"/>
-                </a:solidFill>
-              </a:rPr>
-              <a:t>Installation of the particular package as a setup</a:t>
-            </a:r>
-          </a:p>
-          <a:p>
-            <a:pPr lvl="1">
-              <a:buFont typeface="Wingdings" pitchFamily="2" charset="2"/>
-              <a:buChar char="Ø"/>
-            </a:pPr>
-            <a:r>
-              <a:rPr lang="en-US" sz="2400" dirty="0">
-                <a:solidFill>
-                  <a:schemeClr val="bg1"/>
-                </a:solidFill>
-              </a:rPr>
-              <a:t> </a:t>
-            </a:r>
-            <a:r>
-              <a:rPr lang="en-US" sz="2400" dirty="0" err="1">
-                <a:solidFill>
-                  <a:schemeClr val="bg1"/>
-                </a:solidFill>
-              </a:rPr>
-              <a:t>install:packages</a:t>
-            </a:r>
-            <a:r>
-              <a:rPr lang="en-US" sz="2400" dirty="0">
-                <a:solidFill>
-                  <a:schemeClr val="bg1"/>
-                </a:solidFill>
-              </a:rPr>
-              <a:t> (“</a:t>
-            </a:r>
-            <a:r>
-              <a:rPr lang="en-US" sz="2400" dirty="0" err="1">
-                <a:solidFill>
-                  <a:schemeClr val="bg1"/>
-                </a:solidFill>
-              </a:rPr>
-              <a:t>blogdown</a:t>
-            </a:r>
-            <a:r>
-              <a:rPr lang="en-US" sz="2400" dirty="0">
-                <a:solidFill>
-                  <a:schemeClr val="bg1"/>
-                </a:solidFill>
-              </a:rPr>
-              <a:t>”)</a:t>
-            </a:r>
-          </a:p>
-          <a:p>
-            <a:endParaRPr lang="en-US" sz="2800" dirty="0">
-              <a:solidFill>
-                <a:schemeClr val="bg1"/>
-              </a:solidFill>
-            </a:endParaRPr>
-          </a:p>
-          <a:p>
-            <a:r>
-              <a:rPr lang="en-US" sz="2800" dirty="0">
-                <a:solidFill>
-                  <a:schemeClr val="bg1"/>
-                </a:solidFill>
-              </a:rPr>
-              <a:t> Two steps to render you </a:t>
-            </a:r>
-            <a:r>
-              <a:rPr lang="en-US" sz="2800" dirty="0" err="1">
-                <a:solidFill>
-                  <a:schemeClr val="bg1"/>
-                </a:solidFill>
-              </a:rPr>
-              <a:t>Rmd</a:t>
-            </a:r>
-            <a:r>
-              <a:rPr lang="en-US" sz="2800" dirty="0">
-                <a:solidFill>
-                  <a:schemeClr val="bg1"/>
-                </a:solidFill>
-              </a:rPr>
-              <a:t> file</a:t>
-            </a:r>
-          </a:p>
-          <a:p>
-            <a:pPr lvl="1">
-              <a:buFont typeface="Wingdings" pitchFamily="2" charset="2"/>
-              <a:buChar char="Ø"/>
-            </a:pPr>
-            <a:r>
-              <a:rPr lang="en-US" sz="2400" dirty="0">
-                <a:solidFill>
-                  <a:schemeClr val="bg1"/>
-                </a:solidFill>
-              </a:rPr>
-              <a:t> </a:t>
-            </a:r>
-            <a:r>
-              <a:rPr lang="en-US" sz="2400" dirty="0" err="1">
-                <a:solidFill>
-                  <a:schemeClr val="bg1"/>
-                </a:solidFill>
-              </a:rPr>
-              <a:t>blogdown</a:t>
-            </a:r>
-            <a:r>
-              <a:rPr lang="en-US" sz="2400" dirty="0">
-                <a:solidFill>
-                  <a:schemeClr val="bg1"/>
-                </a:solidFill>
-              </a:rPr>
-              <a:t>::(</a:t>
-            </a:r>
-            <a:r>
-              <a:rPr lang="en-US" sz="2400" dirty="0" err="1">
-                <a:solidFill>
-                  <a:schemeClr val="bg1"/>
-                </a:solidFill>
-              </a:rPr>
-              <a:t>build_site</a:t>
-            </a:r>
-            <a:r>
-              <a:rPr lang="en-US" sz="2400" dirty="0">
-                <a:solidFill>
-                  <a:schemeClr val="bg1"/>
-                </a:solidFill>
-              </a:rPr>
-              <a:t>)</a:t>
-            </a:r>
-          </a:p>
-          <a:p>
-            <a:pPr lvl="1">
-              <a:buFont typeface="Wingdings" pitchFamily="2" charset="2"/>
-              <a:buChar char="Ø"/>
-            </a:pPr>
-            <a:r>
-              <a:rPr lang="en-US" sz="2400" dirty="0" err="1">
-                <a:solidFill>
-                  <a:schemeClr val="bg1"/>
-                </a:solidFill>
-              </a:rPr>
-              <a:t>blogdown</a:t>
-            </a:r>
-            <a:r>
-              <a:rPr lang="en-US" sz="2400" dirty="0">
-                <a:solidFill>
-                  <a:schemeClr val="bg1"/>
-                </a:solidFill>
-              </a:rPr>
-              <a:t>::(</a:t>
-            </a:r>
-            <a:r>
-              <a:rPr lang="en-US" sz="2400" dirty="0" err="1">
-                <a:solidFill>
-                  <a:schemeClr val="bg1"/>
-                </a:solidFill>
-              </a:rPr>
-              <a:t>serve_site</a:t>
-            </a:r>
-            <a:r>
-              <a:rPr lang="en-US" sz="2400" dirty="0">
-                <a:solidFill>
-                  <a:schemeClr val="bg1"/>
-                </a:solidFill>
-              </a:rPr>
-              <a:t>)</a:t>
-            </a:r>
-          </a:p>
-          <a:p>
-            <a:pPr lvl="1">
-              <a:buFont typeface="Wingdings" pitchFamily="2" charset="2"/>
-              <a:buChar char="Ø"/>
-            </a:pPr>
-            <a:endParaRPr lang="en-US" sz="1800" dirty="0">
-              <a:solidFill>
-                <a:schemeClr val="bg1"/>
-              </a:solidFill>
-            </a:endParaRPr>
-          </a:p>
-          <a:p>
-            <a:pPr lvl="1">
-              <a:buFont typeface="Wingdings" pitchFamily="2" charset="2"/>
-              <a:buChar char="Ø"/>
-            </a:pPr>
-            <a:endParaRPr lang="en-US" sz="1800" dirty="0">
-              <a:solidFill>
-                <a:schemeClr val="bg1"/>
-              </a:solidFill>
-            </a:endParaRPr>
+          <a:bodyPr rtlCol="0" anchor="ctr"/>
+          <a:lstStyle/>
+          <a:p>
+            <a:pPr algn="ctr"/>
+            <a:r>
+              <a:rPr lang="de-DE" dirty="0"/>
+              <a:t>„</a:t>
+            </a:r>
+            <a:r>
+              <a:rPr lang="de-DE" dirty="0" err="1"/>
+              <a:t>netlify.io</a:t>
+            </a:r>
+            <a:r>
+              <a:rPr lang="de-DE" dirty="0"/>
+              <a:t>“</a:t>
+            </a:r>
+          </a:p>
+        </p:txBody>
+      </p:sp>
+      <p:sp>
+        <p:nvSpPr>
+          <p:cNvPr id="24" name="Rechteck 23">
+            <a:extLst>
+              <a:ext uri="{FF2B5EF4-FFF2-40B4-BE49-F238E27FC236}">
+                <a16:creationId xmlns:a16="http://schemas.microsoft.com/office/drawing/2014/main" id="{406FA2BA-187D-4E4D-9DD4-A0CE24C0C605}"/>
+              </a:ext>
+            </a:extLst>
+          </p:cNvPr>
+          <p:cNvSpPr/>
+          <p:nvPr/>
+        </p:nvSpPr>
+        <p:spPr>
+          <a:xfrm>
+            <a:off x="10200750" y="3915427"/>
+            <a:ext cx="1816267" cy="497910"/>
+          </a:xfrm>
+          <a:prstGeom prst="rect">
+            <a:avLst/>
+          </a:prstGeom>
+          <a:solidFill>
+            <a:srgbClr val="FFA601"/>
+          </a:solidFill>
+        </p:spPr>
+        <p:style>
+          <a:lnRef idx="2">
+            <a:schemeClr val="accent1">
+              <a:shade val="50000"/>
+            </a:schemeClr>
+          </a:lnRef>
+          <a:fillRef idx="1">
+            <a:schemeClr val="accent1"/>
+          </a:fillRef>
+          <a:effectRef idx="0">
+            <a:schemeClr val="accent1"/>
+          </a:effectRef>
+          <a:fontRef idx="minor">
+            <a:schemeClr val="lt1"/>
+          </a:fontRef>
+        </p:style>
+        <p:txBody>
+          <a:bodyPr rtlCol="0" anchor="ctr"/>
+          <a:lstStyle/>
+          <a:p>
+            <a:pPr algn="ctr"/>
+            <a:r>
+              <a:rPr lang="de-DE" dirty="0"/>
+              <a:t>„</a:t>
+            </a:r>
+            <a:r>
+              <a:rPr lang="de-DE" dirty="0" err="1"/>
+              <a:t>github.io</a:t>
+            </a:r>
+            <a:r>
+              <a:rPr lang="de-DE" dirty="0"/>
+              <a:t>“</a:t>
+            </a:r>
           </a:p>
         </p:txBody>
       </p:sp>
     </p:spTree>
     <p:extLst>
       <p:ext uri="{BB962C8B-B14F-4D97-AF65-F5344CB8AC3E}">
-        <p14:creationId xmlns:p14="http://schemas.microsoft.com/office/powerpoint/2010/main" val="2262836357"/>
+        <p14:creationId xmlns:p14="http://schemas.microsoft.com/office/powerpoint/2010/main" val="103983570"/>
       </p:ext>
     </p:extLst>
   </p:cSld>
@@ -15729,22 +16602,56 @@
           <a:p>
             <a:pPr algn="ctr"/>
             <a:r>
-              <a:rPr lang="en-US" b="1" dirty="0">
+              <a:rPr lang="en-AU" b="1" dirty="0">
                 <a:solidFill>
                   <a:schemeClr val="bg1"/>
                 </a:solidFill>
               </a:rPr>
-              <a:t>Example and operations of </a:t>
-            </a:r>
-            <a:r>
-              <a:rPr lang="en-US" b="1" dirty="0" err="1">
+              <a:t>Only a Few Commands</a:t>
+            </a:r>
+            <a:endParaRPr lang="en-AU" b="1" dirty="0"/>
+          </a:p>
+        </p:txBody>
+      </p:sp>
+      <p:sp>
+        <p:nvSpPr>
+          <p:cNvPr id="3" name="Inhaltsplatzhalter 2">
+            <a:extLst>
+              <a:ext uri="{FF2B5EF4-FFF2-40B4-BE49-F238E27FC236}">
+                <a16:creationId xmlns:a16="http://schemas.microsoft.com/office/drawing/2014/main" id="{4B206C89-51E7-4766-85D7-F79D9CAF5A7D}"/>
+              </a:ext>
+            </a:extLst>
+          </p:cNvPr>
+          <p:cNvSpPr>
+            <a:spLocks noGrp="1"/>
+          </p:cNvSpPr>
+          <p:nvPr>
+            <p:ph idx="1"/>
+          </p:nvPr>
+        </p:nvSpPr>
+        <p:spPr>
+          <a:xfrm>
+            <a:off x="1141412" y="2249486"/>
+            <a:ext cx="9905999" cy="4510239"/>
+          </a:xfrm>
+        </p:spPr>
+        <p:txBody>
+          <a:bodyPr vert="horz" lIns="91440" tIns="45720" rIns="91440" bIns="45720" rtlCol="0" anchor="t">
+            <a:normAutofit/>
+          </a:bodyPr>
+          <a:lstStyle/>
+          <a:p>
+            <a:pPr marL="0" indent="0">
+              <a:buNone/>
+            </a:pPr>
+            <a:br>
+              <a:rPr lang="en-US" dirty="0">
                 <a:solidFill>
                   <a:schemeClr val="bg1"/>
                 </a:solidFill>
               </a:rPr>
-              <a:t>Blogdown</a:t>
-            </a:r>
-            <a:endParaRPr lang="en-US" b="1" dirty="0">
+            </a:br>
+            <a:endParaRPr lang="en-US" dirty="0">
               <a:solidFill>
                 <a:schemeClr val="bg1"/>
               </a:solidFill>
@@ -15757,7 +16664,7 @@
           <p:cNvPr id="5" name="Picture 2" descr="Bildergebnis für blogdown">
             <a:extLst>
               <a:ext uri="{FF2B5EF4-FFF2-40B4-BE49-F238E27FC236}">
-                <a16:creationId xmlns:a16="http://schemas.microsoft.com/office/drawing/2014/main" id="{E620A26A-5C15-864B-86D2-D68735716914}"/>
+                <a16:creationId xmlns:a16="http://schemas.microsoft.com/office/drawing/2014/main" id="{E87962F1-2751-A04C-B040-95C793E6EA55}"/>
               </a:ext>
             </a:extLst>
           </p:cNvPr>
@@ -15781,7 +16688,7 @@
         </p:blipFill>
         <p:spPr bwMode="auto">
           <a:xfrm>
-            <a:off x="3850169" y="2960913"/>
+            <a:off x="9827636" y="457803"/>
             <a:ext cx="1558442" cy="1800000"/>
           </a:xfrm>
           <a:prstGeom prst="rect">
@@ -15799,39 +16706,474 @@
           </a:extLst>
         </p:spPr>
       </p:pic>
-      <p:pic>
-        <p:nvPicPr>
-          <p:cNvPr id="4" name="Grafik 3">
+      <p:sp>
+        <p:nvSpPr>
+          <p:cNvPr id="4" name="Textfeld 3">
             <a:extLst>
               <a:ext uri="{FF2B5EF4-FFF2-40B4-BE49-F238E27FC236}">
-                <a16:creationId xmlns:a16="http://schemas.microsoft.com/office/drawing/2014/main" id="{06B10C05-3E5C-FB49-99AD-7616E29B369C}"/>
+                <a16:creationId xmlns:a16="http://schemas.microsoft.com/office/drawing/2014/main" id="{C87CD5D9-8FAE-E741-962A-D1687BBE0AE8}"/>
               </a:ext>
             </a:extLst>
           </p:cNvPr>
-          <p:cNvPicPr>
-            <a:picLocks noChangeAspect="1"/>
-          </p:cNvPicPr>
+          <p:cNvSpPr txBox="1"/>
           <p:nvPr/>
-        </p:nvPicPr>
-        <p:blipFill rotWithShape="1">
-          <a:blip r:embed="rId3"/>
-          <a:srcRect r="64338"/>
-          <a:stretch/>
-        </p:blipFill>
+        </p:nvSpPr>
         <p:spPr>
           <a:xfrm>
-            <a:off x="6664857" y="2960913"/>
-            <a:ext cx="1828802" cy="1800000"/>
+            <a:off x="3386667" y="2997200"/>
+            <a:ext cx="184731" cy="369332"/>
+          </a:xfrm>
+          <a:prstGeom prst="rect">
+            <a:avLst/>
+          </a:prstGeom>
+          <a:noFill/>
+        </p:spPr>
+        <p:txBody>
+          <a:bodyPr wrap="none" rtlCol="0">
+            <a:spAutoFit/>
+          </a:bodyPr>
+          <a:lstStyle/>
+          <a:p>
+            <a:endParaRPr lang="de-DE" dirty="0"/>
+          </a:p>
+        </p:txBody>
+      </p:sp>
+      <p:sp>
+        <p:nvSpPr>
+          <p:cNvPr id="7" name="Inhaltsplatzhalter 2">
+            <a:extLst>
+              <a:ext uri="{FF2B5EF4-FFF2-40B4-BE49-F238E27FC236}">
+                <a16:creationId xmlns:a16="http://schemas.microsoft.com/office/drawing/2014/main" id="{F80A5180-65E0-8C4B-8098-9B0030CB28F6}"/>
+              </a:ext>
+            </a:extLst>
+          </p:cNvPr>
+          <p:cNvSpPr txBox="1">
+            <a:spLocks/>
+          </p:cNvSpPr>
+          <p:nvPr/>
+        </p:nvSpPr>
+        <p:spPr>
+          <a:xfrm>
+            <a:off x="1310745" y="2249486"/>
+            <a:ext cx="9905999" cy="4510239"/>
           </a:xfrm>
           <a:prstGeom prst="rect">
             <a:avLst/>
           </a:prstGeom>
         </p:spPr>
-      </p:pic>
+        <p:txBody>
+          <a:bodyPr vert="horz" lIns="91440" tIns="45720" rIns="91440" bIns="45720" rtlCol="0">
+            <a:normAutofit/>
+          </a:bodyPr>
+          <a:lstStyle>
+            <a:lvl1pPr marL="228600" indent="-228600" algn="l" defTabSz="914400" rtl="0" eaLnBrk="1" latinLnBrk="0" hangingPunct="1">
+              <a:lnSpc>
+                <a:spcPct val="120000"/>
+              </a:lnSpc>
+              <a:spcBef>
+                <a:spcPts val="1000"/>
+              </a:spcBef>
+              <a:buSzPct val="125000"/>
+              <a:buFont typeface="Arial" panose="020B0604020202020204" pitchFamily="34" charset="0"/>
+              <a:buChar char="•"/>
+              <a:defRPr sz="2400" kern="1200">
+                <a:solidFill>
+                  <a:schemeClr val="tx1"/>
+                </a:solidFill>
+                <a:effectLst>
+                  <a:outerShdw blurRad="152400" dist="38100" dir="2700000" algn="tl">
+                    <a:srgbClr val="000000">
+                      <a:alpha val="36000"/>
+                    </a:srgbClr>
+                  </a:outerShdw>
+                </a:effectLst>
+                <a:latin typeface="+mn-lt"/>
+                <a:ea typeface="+mn-ea"/>
+                <a:cs typeface="+mn-cs"/>
+              </a:defRPr>
+            </a:lvl1pPr>
+            <a:lvl2pPr marL="685800" indent="-228600" algn="l" defTabSz="914400" rtl="0" eaLnBrk="1" latinLnBrk="0" hangingPunct="1">
+              <a:lnSpc>
+                <a:spcPct val="120000"/>
+              </a:lnSpc>
+              <a:spcBef>
+                <a:spcPts val="500"/>
+              </a:spcBef>
+              <a:buSzPct val="125000"/>
+              <a:buFont typeface="Arial" panose="020B0604020202020204" pitchFamily="34" charset="0"/>
+              <a:buChar char="•"/>
+              <a:defRPr sz="2000" kern="1200">
+                <a:solidFill>
+                  <a:schemeClr val="tx1"/>
+                </a:solidFill>
+                <a:effectLst>
+                  <a:outerShdw blurRad="152400" dist="38100" dir="2700000" algn="tl">
+                    <a:srgbClr val="000000">
+                      <a:alpha val="36000"/>
+                    </a:srgbClr>
+                  </a:outerShdw>
+                </a:effectLst>
+                <a:latin typeface="+mn-lt"/>
+                <a:ea typeface="+mn-ea"/>
+                <a:cs typeface="+mn-cs"/>
+              </a:defRPr>
+            </a:lvl2pPr>
+            <a:lvl3pPr marL="1143000" indent="-228600" algn="l" defTabSz="914400" rtl="0" eaLnBrk="1" latinLnBrk="0" hangingPunct="1">
+              <a:lnSpc>
+                <a:spcPct val="120000"/>
+              </a:lnSpc>
+              <a:spcBef>
+                <a:spcPts val="500"/>
+              </a:spcBef>
+              <a:buSzPct val="125000"/>
+              <a:buFont typeface="Arial" panose="020B0604020202020204" pitchFamily="34" charset="0"/>
+              <a:buChar char="•"/>
+              <a:defRPr sz="1800" kern="1200">
+                <a:solidFill>
+                  <a:schemeClr val="tx1"/>
+                </a:solidFill>
+                <a:effectLst>
+                  <a:outerShdw blurRad="152400" dist="38100" dir="2700000" algn="tl">
+                    <a:srgbClr val="000000">
+                      <a:alpha val="36000"/>
+                    </a:srgbClr>
+                  </a:outerShdw>
+                </a:effectLst>
+                <a:latin typeface="+mn-lt"/>
+                <a:ea typeface="+mn-ea"/>
+                <a:cs typeface="+mn-cs"/>
+              </a:defRPr>
+            </a:lvl3pPr>
+            <a:lvl4pPr marL="1600200" indent="-228600" algn="l" defTabSz="914400" rtl="0" eaLnBrk="1" latinLnBrk="0" hangingPunct="1">
+              <a:lnSpc>
+                <a:spcPct val="120000"/>
+              </a:lnSpc>
+              <a:spcBef>
+                <a:spcPts val="500"/>
+              </a:spcBef>
+              <a:buSzPct val="125000"/>
+              <a:buFont typeface="Arial" panose="020B0604020202020204" pitchFamily="34" charset="0"/>
+              <a:buChar char="•"/>
+              <a:defRPr sz="1600" kern="1200">
+                <a:solidFill>
+                  <a:schemeClr val="tx1"/>
+                </a:solidFill>
+                <a:effectLst>
+                  <a:outerShdw blurRad="152400" dist="38100" dir="2700000" algn="tl">
+                    <a:srgbClr val="000000">
+                      <a:alpha val="36000"/>
+                    </a:srgbClr>
+                  </a:outerShdw>
+                </a:effectLst>
+                <a:latin typeface="+mn-lt"/>
+                <a:ea typeface="+mn-ea"/>
+                <a:cs typeface="+mn-cs"/>
+              </a:defRPr>
+            </a:lvl4pPr>
+            <a:lvl5pPr marL="2057400" indent="-228600" algn="l" defTabSz="914400" rtl="0" eaLnBrk="1" latinLnBrk="0" hangingPunct="1">
+              <a:lnSpc>
+                <a:spcPct val="120000"/>
+              </a:lnSpc>
+              <a:spcBef>
+                <a:spcPts val="500"/>
+              </a:spcBef>
+              <a:buSzPct val="125000"/>
+              <a:buFont typeface="Arial" panose="020B0604020202020204" pitchFamily="34" charset="0"/>
+              <a:buChar char="•"/>
+              <a:defRPr sz="1600" kern="1200">
+                <a:solidFill>
+                  <a:schemeClr val="tx1"/>
+                </a:solidFill>
+                <a:effectLst>
+                  <a:outerShdw blurRad="152400" dist="38100" dir="2700000" algn="tl">
+                    <a:srgbClr val="000000">
+                      <a:alpha val="36000"/>
+                    </a:srgbClr>
+                  </a:outerShdw>
+                </a:effectLst>
+                <a:latin typeface="+mn-lt"/>
+                <a:ea typeface="+mn-ea"/>
+                <a:cs typeface="+mn-cs"/>
+              </a:defRPr>
+            </a:lvl5pPr>
+            <a:lvl6pPr marL="2514600" indent="-228600" algn="l" defTabSz="914400" rtl="0" eaLnBrk="1" latinLnBrk="0" hangingPunct="1">
+              <a:lnSpc>
+                <a:spcPct val="120000"/>
+              </a:lnSpc>
+              <a:spcBef>
+                <a:spcPts val="500"/>
+              </a:spcBef>
+              <a:buSzPct val="125000"/>
+              <a:buFont typeface="Arial" panose="020B0604020202020204" pitchFamily="34" charset="0"/>
+              <a:buChar char="•"/>
+              <a:defRPr sz="1400" kern="1200">
+                <a:solidFill>
+                  <a:schemeClr val="tx1"/>
+                </a:solidFill>
+                <a:latin typeface="+mn-lt"/>
+                <a:ea typeface="+mn-ea"/>
+                <a:cs typeface="+mn-cs"/>
+              </a:defRPr>
+            </a:lvl6pPr>
+            <a:lvl7pPr marL="2971800" indent="-228600" algn="l" defTabSz="914400" rtl="0" eaLnBrk="1" latinLnBrk="0" hangingPunct="1">
+              <a:lnSpc>
+                <a:spcPct val="120000"/>
+              </a:lnSpc>
+              <a:spcBef>
+                <a:spcPts val="500"/>
+              </a:spcBef>
+              <a:buSzPct val="125000"/>
+              <a:buFont typeface="Arial" panose="020B0604020202020204" pitchFamily="34" charset="0"/>
+              <a:buChar char="•"/>
+              <a:defRPr sz="1400" kern="1200">
+                <a:solidFill>
+                  <a:schemeClr val="tx1"/>
+                </a:solidFill>
+                <a:latin typeface="+mn-lt"/>
+                <a:ea typeface="+mn-ea"/>
+                <a:cs typeface="+mn-cs"/>
+              </a:defRPr>
+            </a:lvl7pPr>
+            <a:lvl8pPr marL="3429000" indent="-228600" algn="l" defTabSz="914400" rtl="0" eaLnBrk="1" latinLnBrk="0" hangingPunct="1">
+              <a:lnSpc>
+                <a:spcPct val="120000"/>
+              </a:lnSpc>
+              <a:spcBef>
+                <a:spcPts val="500"/>
+              </a:spcBef>
+              <a:buSzPct val="125000"/>
+              <a:buFont typeface="Arial" panose="020B0604020202020204" pitchFamily="34" charset="0"/>
+              <a:buChar char="•"/>
+              <a:defRPr sz="1400" kern="1200">
+                <a:solidFill>
+                  <a:schemeClr val="tx1"/>
+                </a:solidFill>
+                <a:latin typeface="+mn-lt"/>
+                <a:ea typeface="+mn-ea"/>
+                <a:cs typeface="+mn-cs"/>
+              </a:defRPr>
+            </a:lvl8pPr>
+            <a:lvl9pPr marL="3886200" indent="-228600" algn="l" defTabSz="914400" rtl="0" eaLnBrk="1" latinLnBrk="0" hangingPunct="1">
+              <a:lnSpc>
+                <a:spcPct val="120000"/>
+              </a:lnSpc>
+              <a:spcBef>
+                <a:spcPts val="500"/>
+              </a:spcBef>
+              <a:buSzPct val="125000"/>
+              <a:buFont typeface="Arial" panose="020B0604020202020204" pitchFamily="34" charset="0"/>
+              <a:buChar char="•"/>
+              <a:defRPr sz="1400" kern="1200">
+                <a:solidFill>
+                  <a:schemeClr val="tx1"/>
+                </a:solidFill>
+                <a:latin typeface="+mn-lt"/>
+                <a:ea typeface="+mn-ea"/>
+                <a:cs typeface="+mn-cs"/>
+              </a:defRPr>
+            </a:lvl9pPr>
+          </a:lstStyle>
+          <a:p>
+            <a:r>
+              <a:rPr lang="en-US" sz="2800" dirty="0">
+                <a:solidFill>
+                  <a:schemeClr val="bg1"/>
+                </a:solidFill>
+              </a:rPr>
+              <a:t>Installation of the particular package as a setup</a:t>
+            </a:r>
+          </a:p>
+          <a:p>
+            <a:pPr lvl="1">
+              <a:buFont typeface="Wingdings" pitchFamily="2" charset="2"/>
+              <a:buChar char="Ø"/>
+            </a:pPr>
+            <a:r>
+              <a:rPr lang="en-US" sz="2400" dirty="0">
+                <a:solidFill>
+                  <a:schemeClr val="bg1"/>
+                </a:solidFill>
+              </a:rPr>
+              <a:t> </a:t>
+            </a:r>
+            <a:r>
+              <a:rPr lang="en-US" sz="2400" dirty="0" err="1">
+                <a:solidFill>
+                  <a:schemeClr val="bg1"/>
+                </a:solidFill>
+              </a:rPr>
+              <a:t>install:packages</a:t>
+            </a:r>
+            <a:r>
+              <a:rPr lang="en-US" sz="2400" dirty="0">
+                <a:solidFill>
+                  <a:schemeClr val="bg1"/>
+                </a:solidFill>
+              </a:rPr>
+              <a:t> (“</a:t>
+            </a:r>
+            <a:r>
+              <a:rPr lang="en-US" sz="2400" dirty="0" err="1">
+                <a:solidFill>
+                  <a:schemeClr val="bg1"/>
+                </a:solidFill>
+              </a:rPr>
+              <a:t>blogdown</a:t>
+            </a:r>
+            <a:r>
+              <a:rPr lang="en-US" sz="2400" dirty="0">
+                <a:solidFill>
+                  <a:schemeClr val="bg1"/>
+                </a:solidFill>
+              </a:rPr>
+              <a:t>”)</a:t>
+            </a:r>
+          </a:p>
+          <a:p>
+            <a:endParaRPr lang="en-US" sz="2800" dirty="0">
+              <a:solidFill>
+                <a:schemeClr val="bg1"/>
+              </a:solidFill>
+            </a:endParaRPr>
+          </a:p>
+          <a:p>
+            <a:r>
+              <a:rPr lang="en-US" sz="2800" dirty="0">
+                <a:solidFill>
+                  <a:schemeClr val="bg1"/>
+                </a:solidFill>
+              </a:rPr>
+              <a:t> Two steps to render you </a:t>
+            </a:r>
+            <a:r>
+              <a:rPr lang="en-US" sz="2800" dirty="0" err="1">
+                <a:solidFill>
+                  <a:schemeClr val="bg1"/>
+                </a:solidFill>
+              </a:rPr>
+              <a:t>Rmd</a:t>
+            </a:r>
+            <a:r>
+              <a:rPr lang="en-US" sz="2800" dirty="0">
+                <a:solidFill>
+                  <a:schemeClr val="bg1"/>
+                </a:solidFill>
+              </a:rPr>
+              <a:t> file</a:t>
+            </a:r>
+          </a:p>
+          <a:p>
+            <a:pPr lvl="1">
+              <a:buFont typeface="Wingdings" pitchFamily="2" charset="2"/>
+              <a:buChar char="Ø"/>
+            </a:pPr>
+            <a:r>
+              <a:rPr lang="en-US" sz="2400" dirty="0">
+                <a:solidFill>
+                  <a:schemeClr val="bg1"/>
+                </a:solidFill>
+              </a:rPr>
+              <a:t> </a:t>
+            </a:r>
+            <a:r>
+              <a:rPr lang="en-US" sz="2400" dirty="0" err="1">
+                <a:solidFill>
+                  <a:schemeClr val="bg1"/>
+                </a:solidFill>
+              </a:rPr>
+              <a:t>blogdown</a:t>
+            </a:r>
+            <a:r>
+              <a:rPr lang="en-US" sz="2400" dirty="0">
+                <a:solidFill>
+                  <a:schemeClr val="bg1"/>
+                </a:solidFill>
+              </a:rPr>
+              <a:t>::(</a:t>
+            </a:r>
+            <a:r>
+              <a:rPr lang="en-US" sz="2400" dirty="0" err="1">
+                <a:solidFill>
+                  <a:schemeClr val="bg1"/>
+                </a:solidFill>
+              </a:rPr>
+              <a:t>build_site</a:t>
+            </a:r>
+            <a:r>
+              <a:rPr lang="en-US" sz="2400" dirty="0">
+                <a:solidFill>
+                  <a:schemeClr val="bg1"/>
+                </a:solidFill>
+              </a:rPr>
+              <a:t>)</a:t>
+            </a:r>
+          </a:p>
+          <a:p>
+            <a:pPr lvl="1">
+              <a:buFont typeface="Wingdings" pitchFamily="2" charset="2"/>
+              <a:buChar char="Ø"/>
+            </a:pPr>
+            <a:r>
+              <a:rPr lang="en-US" sz="2400" dirty="0" err="1">
+                <a:solidFill>
+                  <a:schemeClr val="bg1"/>
+                </a:solidFill>
+              </a:rPr>
+              <a:t>blogdown</a:t>
+            </a:r>
+            <a:r>
+              <a:rPr lang="en-US" sz="2400" dirty="0">
+                <a:solidFill>
+                  <a:schemeClr val="bg1"/>
+                </a:solidFill>
+              </a:rPr>
+              <a:t>::(</a:t>
+            </a:r>
+            <a:r>
+              <a:rPr lang="en-US" sz="2400" dirty="0" err="1">
+                <a:solidFill>
+                  <a:schemeClr val="bg1"/>
+                </a:solidFill>
+              </a:rPr>
+              <a:t>serve_site</a:t>
+            </a:r>
+            <a:r>
+              <a:rPr lang="en-US" sz="2400" dirty="0">
+                <a:solidFill>
+                  <a:schemeClr val="bg1"/>
+                </a:solidFill>
+              </a:rPr>
+              <a:t>)</a:t>
+            </a:r>
+          </a:p>
+          <a:p>
+            <a:pPr lvl="1">
+              <a:buFont typeface="Wingdings" pitchFamily="2" charset="2"/>
+              <a:buChar char="Ø"/>
+            </a:pPr>
+            <a:endParaRPr lang="en-US" sz="1800" dirty="0">
+              <a:solidFill>
+                <a:schemeClr val="bg1"/>
+              </a:solidFill>
+            </a:endParaRPr>
+          </a:p>
+          <a:p>
+            <a:pPr lvl="1">
+              <a:buFont typeface="Wingdings" pitchFamily="2" charset="2"/>
+              <a:buChar char="Ø"/>
+            </a:pPr>
+            <a:endParaRPr lang="en-US" sz="1800" dirty="0">
+              <a:solidFill>
+                <a:schemeClr val="bg1"/>
+              </a:solidFill>
+            </a:endParaRPr>
+          </a:p>
+        </p:txBody>
+      </p:sp>
     </p:spTree>
     <p:extLst>
       <p:ext uri="{BB962C8B-B14F-4D97-AF65-F5344CB8AC3E}">
-        <p14:creationId xmlns:p14="http://schemas.microsoft.com/office/powerpoint/2010/main" val="2840860411"/>
+        <p14:creationId xmlns:p14="http://schemas.microsoft.com/office/powerpoint/2010/main" val="2262836357"/>
       </p:ext>
     </p:extLst>
   </p:cSld>
@@ -15882,195 +17224,42 @@
             <p:ph type="title"/>
           </p:nvPr>
         </p:nvSpPr>
-        <p:spPr>
-          <a:xfrm>
-            <a:off x="1141413" y="614360"/>
-            <a:ext cx="9905998" cy="1478570"/>
-          </a:xfrm>
-        </p:spPr>
+        <p:spPr/>
         <p:txBody>
           <a:bodyPr/>
           <a:lstStyle/>
           <a:p>
             <a:pPr algn="ctr"/>
             <a:r>
-              <a:rPr lang="de-DE" b="1" dirty="0">
+              <a:rPr lang="en-US" b="1" dirty="0">
                 <a:solidFill>
                   <a:schemeClr val="bg1"/>
                 </a:solidFill>
               </a:rPr>
-              <a:t>Data Source </a:t>
-            </a:r>
-          </a:p>
-        </p:txBody>
-      </p:sp>
-      <p:sp>
-        <p:nvSpPr>
-          <p:cNvPr id="3" name="Inhaltsplatzhalter 2">
-            <a:extLst>
-              <a:ext uri="{FF2B5EF4-FFF2-40B4-BE49-F238E27FC236}">
-                <a16:creationId xmlns:a16="http://schemas.microsoft.com/office/drawing/2014/main" id="{4B206C89-51E7-4766-85D7-F79D9CAF5A7D}"/>
-              </a:ext>
-            </a:extLst>
-          </p:cNvPr>
-          <p:cNvSpPr>
-            <a:spLocks noGrp="1"/>
-          </p:cNvSpPr>
-          <p:nvPr>
-            <p:ph idx="1"/>
-          </p:nvPr>
-        </p:nvSpPr>
-        <p:spPr>
-          <a:xfrm>
-            <a:off x="1141412" y="2249486"/>
-            <a:ext cx="9905999" cy="4269847"/>
-          </a:xfrm>
-        </p:spPr>
-        <p:txBody>
-          <a:bodyPr>
-            <a:normAutofit/>
-          </a:bodyPr>
-          <a:lstStyle/>
-          <a:p>
-            <a:r>
-              <a:rPr lang="en-AU" sz="2800" dirty="0">
+              <a:t>Example and operations of </a:t>
+            </a:r>
+            <a:r>
+              <a:rPr lang="en-US" b="1" dirty="0" err="1">
                 <a:solidFill>
                   <a:schemeClr val="bg1"/>
                 </a:solidFill>
               </a:rPr>
-              <a:t>A free API for weather forecasting</a:t>
-            </a:r>
-          </a:p>
-          <a:p>
-            <a:pPr lvl="1">
-              <a:buFont typeface="Wingdings" pitchFamily="2" charset="2"/>
-              <a:buChar char="Ø"/>
-            </a:pPr>
-            <a:r>
-              <a:rPr lang="en-AU" sz="2400" dirty="0">
-                <a:solidFill>
-                  <a:schemeClr val="bg1"/>
-                </a:solidFill>
-              </a:rPr>
-              <a:t> Current and historical weather data</a:t>
-            </a:r>
-          </a:p>
-          <a:p>
-            <a:pPr marL="457200" lvl="1" indent="0">
-              <a:buNone/>
-            </a:pPr>
-            <a:endParaRPr lang="en-AU" sz="2800" dirty="0">
+              <a:t>Blogdown</a:t>
+            </a:r>
+            <a:endParaRPr lang="en-US" b="1" dirty="0">
               <a:solidFill>
                 <a:schemeClr val="bg1"/>
               </a:solidFill>
             </a:endParaRPr>
           </a:p>
-          <a:p>
-            <a:r>
-              <a:rPr lang="en-AU" sz="2800" dirty="0">
-                <a:solidFill>
-                  <a:schemeClr val="bg1"/>
-                </a:solidFill>
-              </a:rPr>
-              <a:t> API-key is needed to use the data</a:t>
-            </a:r>
-          </a:p>
-          <a:p>
-            <a:endParaRPr lang="en-AU" sz="2800" dirty="0">
-              <a:solidFill>
-                <a:schemeClr val="bg1"/>
-              </a:solidFill>
-            </a:endParaRPr>
-          </a:p>
-          <a:p>
-            <a:r>
-              <a:rPr lang="en-AU" sz="2800" dirty="0">
-                <a:solidFill>
-                  <a:schemeClr val="bg1"/>
-                </a:solidFill>
-              </a:rPr>
-              <a:t>Wrapper package for r that makes the functions available</a:t>
-            </a:r>
-          </a:p>
-          <a:p>
-            <a:pPr lvl="1">
-              <a:buFont typeface="Wingdings" pitchFamily="2" charset="2"/>
-              <a:buChar char="Ø"/>
-            </a:pPr>
-            <a:r>
-              <a:rPr lang="en-AU" sz="2400" dirty="0">
-                <a:solidFill>
-                  <a:schemeClr val="bg1"/>
-                </a:solidFill>
-              </a:rPr>
-              <a:t> </a:t>
-            </a:r>
-            <a:r>
-              <a:rPr lang="en-AU" sz="2400" dirty="0" err="1">
-                <a:solidFill>
-                  <a:schemeClr val="bg1"/>
-                </a:solidFill>
-              </a:rPr>
-              <a:t>owmr</a:t>
-            </a:r>
-            <a:endParaRPr lang="en-AU" sz="2400" dirty="0">
-              <a:solidFill>
-                <a:schemeClr val="bg1"/>
-              </a:solidFill>
-            </a:endParaRPr>
-          </a:p>
-          <a:p>
-            <a:endParaRPr lang="en-AU" sz="2800" dirty="0">
-              <a:solidFill>
-                <a:schemeClr val="bg1"/>
-              </a:solidFill>
-            </a:endParaRPr>
-          </a:p>
-          <a:p>
-            <a:endParaRPr lang="en-AU" sz="2800" dirty="0">
-              <a:solidFill>
-                <a:schemeClr val="bg1"/>
-              </a:solidFill>
-            </a:endParaRPr>
-          </a:p>
         </p:txBody>
       </p:sp>
       <p:pic>
         <p:nvPicPr>
-          <p:cNvPr id="8" name="Grafik 7">
+          <p:cNvPr id="5" name="Picture 2" descr="Bildergebnis für blogdown">
             <a:extLst>
               <a:ext uri="{FF2B5EF4-FFF2-40B4-BE49-F238E27FC236}">
-                <a16:creationId xmlns:a16="http://schemas.microsoft.com/office/drawing/2014/main" id="{B78A0333-B311-7646-8F1E-B7016420CFAB}"/>
-              </a:ext>
-            </a:extLst>
-          </p:cNvPr>
-          <p:cNvPicPr>
-            <a:picLocks noChangeAspect="1"/>
-          </p:cNvPicPr>
-          <p:nvPr/>
-        </p:nvPicPr>
-        <p:blipFill>
-          <a:blip r:embed="rId2"/>
-          <a:stretch>
-            <a:fillRect/>
-          </a:stretch>
-        </p:blipFill>
-        <p:spPr>
-          <a:xfrm>
-            <a:off x="1141412" y="618518"/>
-            <a:ext cx="2730500" cy="1168400"/>
-          </a:xfrm>
-          <a:prstGeom prst="rect">
-            <a:avLst/>
-          </a:prstGeom>
-        </p:spPr>
-      </p:pic>
-      <p:pic>
-        <p:nvPicPr>
-          <p:cNvPr id="10" name="Picture 2" descr="Bildergebnis für blogdown">
-            <a:extLst>
-              <a:ext uri="{FF2B5EF4-FFF2-40B4-BE49-F238E27FC236}">
-                <a16:creationId xmlns:a16="http://schemas.microsoft.com/office/drawing/2014/main" id="{A0BAD345-1E1D-7E45-A1F7-219D03627D7D}"/>
+                <a16:creationId xmlns:a16="http://schemas.microsoft.com/office/drawing/2014/main" id="{E620A26A-5C15-864B-86D2-D68735716914}"/>
               </a:ext>
             </a:extLst>
           </p:cNvPr>
@@ -16080,7 +17269,7 @@
           <p:nvPr/>
         </p:nvPicPr>
         <p:blipFill>
-          <a:blip r:embed="rId3">
+          <a:blip r:embed="rId2">
             <a:extLst>
               <a:ext uri="{28A0092B-C50C-407E-A947-70E740481C1C}">
                 <a14:useLocalDpi xmlns:a14="http://schemas.microsoft.com/office/drawing/2010/main" val="0"/>
@@ -16094,7 +17283,7 @@
         </p:blipFill>
         <p:spPr bwMode="auto">
           <a:xfrm>
-            <a:off x="9827636" y="457803"/>
+            <a:off x="3850169" y="2960913"/>
             <a:ext cx="1558442" cy="1800000"/>
           </a:xfrm>
           <a:prstGeom prst="rect">
@@ -16114,10 +17303,10 @@
       </p:pic>
       <p:pic>
         <p:nvPicPr>
-          <p:cNvPr id="11" name="Grafik 10">
+          <p:cNvPr id="4" name="Grafik 3">
             <a:extLst>
               <a:ext uri="{FF2B5EF4-FFF2-40B4-BE49-F238E27FC236}">
-                <a16:creationId xmlns:a16="http://schemas.microsoft.com/office/drawing/2014/main" id="{AFE6846A-B99D-EE41-92E3-946C3E4F290D}"/>
+                <a16:creationId xmlns:a16="http://schemas.microsoft.com/office/drawing/2014/main" id="{06B10C05-3E5C-FB49-99AD-7616E29B369C}"/>
               </a:ext>
             </a:extLst>
           </p:cNvPr>
@@ -16126,16 +17315,15 @@
           </p:cNvPicPr>
           <p:nvPr/>
         </p:nvPicPr>
-        <p:blipFill>
-          <a:blip r:embed="rId4"/>
-          <a:stretch>
-            <a:fillRect/>
-          </a:stretch>
+        <p:blipFill rotWithShape="1">
+          <a:blip r:embed="rId3"/>
+          <a:srcRect r="64338"/>
+          <a:stretch/>
         </p:blipFill>
         <p:spPr>
           <a:xfrm>
-            <a:off x="9827636" y="457803"/>
-            <a:ext cx="1549698" cy="1800000"/>
+            <a:off x="6664857" y="2960913"/>
+            <a:ext cx="1828802" cy="1800000"/>
           </a:xfrm>
           <a:prstGeom prst="rect">
             <a:avLst/>
@@ -16145,7 +17333,7 @@
     </p:spTree>
     <p:extLst>
       <p:ext uri="{BB962C8B-B14F-4D97-AF65-F5344CB8AC3E}">
-        <p14:creationId xmlns:p14="http://schemas.microsoft.com/office/powerpoint/2010/main" val="3287622872"/>
+        <p14:creationId xmlns:p14="http://schemas.microsoft.com/office/powerpoint/2010/main" val="2840860411"/>
       </p:ext>
     </p:extLst>
   </p:cSld>
@@ -16343,6 +17531,32 @@
                 </a:solidFill>
               </a:rPr>
               <a:t> Fixed set of possible values</a:t>
+            </a:r>
+          </a:p>
+          <a:p>
+            <a:pPr marL="457200" lvl="1" indent="0">
+              <a:buNone/>
+            </a:pPr>
+            <a:r>
+              <a:rPr lang="en-AU" sz="2400" dirty="0">
+                <a:solidFill>
+                  <a:schemeClr val="bg1"/>
+                </a:solidFill>
+              </a:rPr>
+              <a:t>	Blue, Green, Yellow II 1, 2, 3</a:t>
+            </a:r>
+          </a:p>
+          <a:p>
+            <a:pPr marL="457200" lvl="1" indent="0">
+              <a:buNone/>
+            </a:pPr>
+            <a:r>
+              <a:rPr lang="en-AU" sz="2400" dirty="0">
+                <a:solidFill>
+                  <a:schemeClr val="bg1"/>
+                </a:solidFill>
+              </a:rPr>
+              <a:t>	S &lt; M &lt; L II 1 &lt; 2 &lt; 3</a:t>
             </a:r>
           </a:p>
           <a:p>
@@ -16703,6 +17917,12 @@
 </file>
 
 <file path=customXml/item1.xml><?xml version="1.0" encoding="utf-8"?>
+<p:properties xmlns:p="http://schemas.microsoft.com/office/2006/metadata/properties" xmlns:xsi="http://www.w3.org/2001/XMLSchema-instance" xmlns:pc="http://schemas.microsoft.com/office/infopath/2007/PartnerControls">
+  <documentManagement/>
+</p:properties>
+</file>
+
+<file path=customXml/item2.xml><?xml version="1.0" encoding="utf-8"?>
 <?mso-contentType ?>
 <FormTemplates xmlns="http://schemas.microsoft.com/sharepoint/v3/contenttype/forms">
   <Display>DocumentLibraryForm</Display>
@@ -16711,7 +17931,7 @@
 </FormTemplates>
 </file>
 
-<file path=customXml/item2.xml><?xml version="1.0" encoding="utf-8"?>
+<file path=customXml/item3.xml><?xml version="1.0" encoding="utf-8"?>
 <ct:contentTypeSchema xmlns:ct="http://schemas.microsoft.com/office/2006/metadata/contentType" xmlns:ma="http://schemas.microsoft.com/office/2006/metadata/properties/metaAttributes" ct:_="" ma:_="" ma:contentTypeName="Dokument" ma:contentTypeID="0x0101001AE19C1F13ED2D418DDFB0AB13554C9C" ma:contentTypeVersion="11" ma:contentTypeDescription="Ein neues Dokument erstellen." ma:contentTypeScope="" ma:versionID="d6943dc1084cec586d0a2a8b56ce78ed">
   <xsd:schema xmlns:xsd="http://www.w3.org/2001/XMLSchema" xmlns:xs="http://www.w3.org/2001/XMLSchema" xmlns:p="http://schemas.microsoft.com/office/2006/metadata/properties" xmlns:ns3="351b06ad-26d4-4ad3-82ae-e787bda9fbeb" xmlns:ns4="766a8933-f47f-49ac-bd4b-d380a76db42f" targetNamespace="http://schemas.microsoft.com/office/2006/metadata/properties" ma:root="true" ma:fieldsID="82ee8b2e33dfd5f925bb366a9b8354e8" ns3:_="" ns4:_="">
     <xsd:import namespace="351b06ad-26d4-4ad3-82ae-e787bda9fbeb"/>
@@ -16920,13 +18140,16 @@
 </ct:contentTypeSchema>
 </file>
 
-<file path=customXml/item3.xml><?xml version="1.0" encoding="utf-8"?>
-<p:properties xmlns:p="http://schemas.microsoft.com/office/2006/metadata/properties" xmlns:xsi="http://www.w3.org/2001/XMLSchema-instance" xmlns:pc="http://schemas.microsoft.com/office/infopath/2007/PartnerControls">
-  <documentManagement/>
-</p:properties>
+<file path=customXml/itemProps1.xml><?xml version="1.0" encoding="utf-8"?>
+<ds:datastoreItem xmlns:ds="http://schemas.openxmlformats.org/officeDocument/2006/customXml" ds:itemID="{E8364FF7-18C7-4FE4-807F-05556E358684}">
+  <ds:schemaRefs>
+    <ds:schemaRef ds:uri="http://schemas.microsoft.com/office/2006/metadata/properties"/>
+    <ds:schemaRef ds:uri="http://schemas.microsoft.com/office/infopath/2007/PartnerControls"/>
+  </ds:schemaRefs>
+</ds:datastoreItem>
 </file>
 
-<file path=customXml/itemProps1.xml><?xml version="1.0" encoding="utf-8"?>
+<file path=customXml/itemProps2.xml><?xml version="1.0" encoding="utf-8"?>
 <ds:datastoreItem xmlns:ds="http://schemas.openxmlformats.org/officeDocument/2006/customXml" ds:itemID="{95E9AE48-2D1F-481A-AD5D-DA9778BAA262}">
   <ds:schemaRefs>
     <ds:schemaRef ds:uri="http://schemas.microsoft.com/sharepoint/v3/contenttype/forms"/>
@@ -16934,7 +18157,7 @@
 </ds:datastoreItem>
 </file>
 
-<file path=customXml/itemProps2.xml><?xml version="1.0" encoding="utf-8"?>
+<file path=customXml/itemProps3.xml><?xml version="1.0" encoding="utf-8"?>
 <ds:datastoreItem xmlns:ds="http://schemas.openxmlformats.org/officeDocument/2006/customXml" ds:itemID="{3AE5C6E7-297E-4201-A0BE-6AEA334CBBCE}">
   <ds:schemaRefs>
     <ds:schemaRef ds:uri="http://schemas.microsoft.com/office/2006/metadata/contentType"/>
@@ -16951,13 +18174,4 @@
     <ds:schemaRef ds:uri="http://schemas.microsoft.com/internal/obd"/>
   </ds:schemaRefs>
 </ds:datastoreItem>
-</file>
-
-<file path=customXml/itemProps3.xml><?xml version="1.0" encoding="utf-8"?>
-<ds:datastoreItem xmlns:ds="http://schemas.openxmlformats.org/officeDocument/2006/customXml" ds:itemID="{E8364FF7-18C7-4FE4-807F-05556E358684}">
-  <ds:schemaRefs>
-    <ds:schemaRef ds:uri="http://schemas.microsoft.com/office/2006/metadata/properties"/>
-    <ds:schemaRef ds:uri="http://schemas.microsoft.com/office/infopath/2007/PartnerControls"/>
-  </ds:schemaRefs>
-</ds:datastoreItem>
 </file>